--- a/ch05/ex.5.6.pptx
+++ b/ch05/ex.5.6.pptx
@@ -10,14 +10,14 @@
   <p:sldIdLst>
     <p:sldId id="256" r:id="rId2"/>
   </p:sldIdLst>
-  <p:sldSz cx="6096000" cy="3430588"/>
+  <p:sldSz cx="4572000" cy="2286000"/>
   <p:notesSz cx="6858000" cy="9144000"/>
   <p:defaultTextStyle>
     <a:defPPr>
       <a:defRPr lang="ja-JP"/>
     </a:defPPr>
-    <a:lvl1pPr marL="0" algn="l" defTabSz="595865" rtl="0" eaLnBrk="1" latinLnBrk="0" hangingPunct="1">
-      <a:defRPr kumimoji="1" sz="1200" kern="1200">
+    <a:lvl1pPr marL="0" algn="l" defTabSz="428904" rtl="0" eaLnBrk="1" latinLnBrk="0" hangingPunct="1">
+      <a:defRPr kumimoji="1" sz="900" kern="1200">
         <a:solidFill>
           <a:schemeClr val="tx1"/>
         </a:solidFill>
@@ -26,8 +26,8 @@
         <a:cs typeface="+mn-cs"/>
       </a:defRPr>
     </a:lvl1pPr>
-    <a:lvl2pPr marL="297933" algn="l" defTabSz="595865" rtl="0" eaLnBrk="1" latinLnBrk="0" hangingPunct="1">
-      <a:defRPr kumimoji="1" sz="1200" kern="1200">
+    <a:lvl2pPr marL="214452" algn="l" defTabSz="428904" rtl="0" eaLnBrk="1" latinLnBrk="0" hangingPunct="1">
+      <a:defRPr kumimoji="1" sz="900" kern="1200">
         <a:solidFill>
           <a:schemeClr val="tx1"/>
         </a:solidFill>
@@ -36,8 +36,8 @@
         <a:cs typeface="+mn-cs"/>
       </a:defRPr>
     </a:lvl2pPr>
-    <a:lvl3pPr marL="595865" algn="l" defTabSz="595865" rtl="0" eaLnBrk="1" latinLnBrk="0" hangingPunct="1">
-      <a:defRPr kumimoji="1" sz="1200" kern="1200">
+    <a:lvl3pPr marL="428904" algn="l" defTabSz="428904" rtl="0" eaLnBrk="1" latinLnBrk="0" hangingPunct="1">
+      <a:defRPr kumimoji="1" sz="900" kern="1200">
         <a:solidFill>
           <a:schemeClr val="tx1"/>
         </a:solidFill>
@@ -46,8 +46,8 @@
         <a:cs typeface="+mn-cs"/>
       </a:defRPr>
     </a:lvl3pPr>
-    <a:lvl4pPr marL="893798" algn="l" defTabSz="595865" rtl="0" eaLnBrk="1" latinLnBrk="0" hangingPunct="1">
-      <a:defRPr kumimoji="1" sz="1200" kern="1200">
+    <a:lvl4pPr marL="643356" algn="l" defTabSz="428904" rtl="0" eaLnBrk="1" latinLnBrk="0" hangingPunct="1">
+      <a:defRPr kumimoji="1" sz="900" kern="1200">
         <a:solidFill>
           <a:schemeClr val="tx1"/>
         </a:solidFill>
@@ -56,8 +56,8 @@
         <a:cs typeface="+mn-cs"/>
       </a:defRPr>
     </a:lvl4pPr>
-    <a:lvl5pPr marL="1191730" algn="l" defTabSz="595865" rtl="0" eaLnBrk="1" latinLnBrk="0" hangingPunct="1">
-      <a:defRPr kumimoji="1" sz="1200" kern="1200">
+    <a:lvl5pPr marL="857807" algn="l" defTabSz="428904" rtl="0" eaLnBrk="1" latinLnBrk="0" hangingPunct="1">
+      <a:defRPr kumimoji="1" sz="900" kern="1200">
         <a:solidFill>
           <a:schemeClr val="tx1"/>
         </a:solidFill>
@@ -66,8 +66,8 @@
         <a:cs typeface="+mn-cs"/>
       </a:defRPr>
     </a:lvl5pPr>
-    <a:lvl6pPr marL="1489663" algn="l" defTabSz="595865" rtl="0" eaLnBrk="1" latinLnBrk="0" hangingPunct="1">
-      <a:defRPr kumimoji="1" sz="1200" kern="1200">
+    <a:lvl6pPr marL="1072259" algn="l" defTabSz="428904" rtl="0" eaLnBrk="1" latinLnBrk="0" hangingPunct="1">
+      <a:defRPr kumimoji="1" sz="900" kern="1200">
         <a:solidFill>
           <a:schemeClr val="tx1"/>
         </a:solidFill>
@@ -76,8 +76,8 @@
         <a:cs typeface="+mn-cs"/>
       </a:defRPr>
     </a:lvl6pPr>
-    <a:lvl7pPr marL="1787595" algn="l" defTabSz="595865" rtl="0" eaLnBrk="1" latinLnBrk="0" hangingPunct="1">
-      <a:defRPr kumimoji="1" sz="1200" kern="1200">
+    <a:lvl7pPr marL="1286711" algn="l" defTabSz="428904" rtl="0" eaLnBrk="1" latinLnBrk="0" hangingPunct="1">
+      <a:defRPr kumimoji="1" sz="900" kern="1200">
         <a:solidFill>
           <a:schemeClr val="tx1"/>
         </a:solidFill>
@@ -86,8 +86,8 @@
         <a:cs typeface="+mn-cs"/>
       </a:defRPr>
     </a:lvl7pPr>
-    <a:lvl8pPr marL="2085526" algn="l" defTabSz="595865" rtl="0" eaLnBrk="1" latinLnBrk="0" hangingPunct="1">
-      <a:defRPr kumimoji="1" sz="1200" kern="1200">
+    <a:lvl8pPr marL="1501162" algn="l" defTabSz="428904" rtl="0" eaLnBrk="1" latinLnBrk="0" hangingPunct="1">
+      <a:defRPr kumimoji="1" sz="900" kern="1200">
         <a:solidFill>
           <a:schemeClr val="tx1"/>
         </a:solidFill>
@@ -96,8 +96,8 @@
         <a:cs typeface="+mn-cs"/>
       </a:defRPr>
     </a:lvl8pPr>
-    <a:lvl9pPr marL="2383458" algn="l" defTabSz="595865" rtl="0" eaLnBrk="1" latinLnBrk="0" hangingPunct="1">
-      <a:defRPr kumimoji="1" sz="1200" kern="1200">
+    <a:lvl9pPr marL="1715613" algn="l" defTabSz="428904" rtl="0" eaLnBrk="1" latinLnBrk="0" hangingPunct="1">
+      <a:defRPr kumimoji="1" sz="900" kern="1200">
         <a:solidFill>
           <a:schemeClr val="tx1"/>
         </a:solidFill>
@@ -192,7 +192,7 @@
           <a:p>
             <a:fld id="{8CB39633-B732-4116-9BC5-4B2F2566A62A}" type="datetimeFigureOut">
               <a:rPr kumimoji="1" lang="ja-JP" altLang="en-US" smtClean="0"/>
-              <a:t>2017/8/4</a:t>
+              <a:t>2017/8/12</a:t>
             </a:fld>
             <a:endParaRPr kumimoji="1" lang="ja-JP" altLang="en-US"/>
           </a:p>
@@ -210,8 +210,8 @@
         </p:nvSpPr>
         <p:spPr>
           <a:xfrm>
-            <a:off x="382588" y="685800"/>
-            <a:ext cx="6092825" cy="3429000"/>
+            <a:off x="0" y="685800"/>
+            <a:ext cx="6858000" cy="3429000"/>
           </a:xfrm>
           <a:prstGeom prst="rect">
             <a:avLst/>
@@ -398,8 +398,8 @@
   </p:cSld>
   <p:clrMap bg1="lt1" tx1="dk1" bg2="lt2" tx2="dk2" accent1="accent1" accent2="accent2" accent3="accent3" accent4="accent4" accent5="accent5" accent6="accent6" hlink="hlink" folHlink="folHlink"/>
   <p:notesStyle>
-    <a:lvl1pPr marL="0" algn="l" defTabSz="595865" rtl="0" eaLnBrk="1" latinLnBrk="0" hangingPunct="1">
-      <a:defRPr kumimoji="1" sz="800" kern="1200">
+    <a:lvl1pPr marL="0" algn="l" defTabSz="428904" rtl="0" eaLnBrk="1" latinLnBrk="0" hangingPunct="1">
+      <a:defRPr kumimoji="1" sz="600" kern="1200">
         <a:solidFill>
           <a:schemeClr val="tx1"/>
         </a:solidFill>
@@ -408,8 +408,8 @@
         <a:cs typeface="+mn-cs"/>
       </a:defRPr>
     </a:lvl1pPr>
-    <a:lvl2pPr marL="297933" algn="l" defTabSz="595865" rtl="0" eaLnBrk="1" latinLnBrk="0" hangingPunct="1">
-      <a:defRPr kumimoji="1" sz="800" kern="1200">
+    <a:lvl2pPr marL="214452" algn="l" defTabSz="428904" rtl="0" eaLnBrk="1" latinLnBrk="0" hangingPunct="1">
+      <a:defRPr kumimoji="1" sz="600" kern="1200">
         <a:solidFill>
           <a:schemeClr val="tx1"/>
         </a:solidFill>
@@ -418,8 +418,8 @@
         <a:cs typeface="+mn-cs"/>
       </a:defRPr>
     </a:lvl2pPr>
-    <a:lvl3pPr marL="595865" algn="l" defTabSz="595865" rtl="0" eaLnBrk="1" latinLnBrk="0" hangingPunct="1">
-      <a:defRPr kumimoji="1" sz="800" kern="1200">
+    <a:lvl3pPr marL="428904" algn="l" defTabSz="428904" rtl="0" eaLnBrk="1" latinLnBrk="0" hangingPunct="1">
+      <a:defRPr kumimoji="1" sz="600" kern="1200">
         <a:solidFill>
           <a:schemeClr val="tx1"/>
         </a:solidFill>
@@ -428,8 +428,8 @@
         <a:cs typeface="+mn-cs"/>
       </a:defRPr>
     </a:lvl3pPr>
-    <a:lvl4pPr marL="893798" algn="l" defTabSz="595865" rtl="0" eaLnBrk="1" latinLnBrk="0" hangingPunct="1">
-      <a:defRPr kumimoji="1" sz="800" kern="1200">
+    <a:lvl4pPr marL="643356" algn="l" defTabSz="428904" rtl="0" eaLnBrk="1" latinLnBrk="0" hangingPunct="1">
+      <a:defRPr kumimoji="1" sz="600" kern="1200">
         <a:solidFill>
           <a:schemeClr val="tx1"/>
         </a:solidFill>
@@ -438,8 +438,8 @@
         <a:cs typeface="+mn-cs"/>
       </a:defRPr>
     </a:lvl4pPr>
-    <a:lvl5pPr marL="1191730" algn="l" defTabSz="595865" rtl="0" eaLnBrk="1" latinLnBrk="0" hangingPunct="1">
-      <a:defRPr kumimoji="1" sz="800" kern="1200">
+    <a:lvl5pPr marL="857807" algn="l" defTabSz="428904" rtl="0" eaLnBrk="1" latinLnBrk="0" hangingPunct="1">
+      <a:defRPr kumimoji="1" sz="600" kern="1200">
         <a:solidFill>
           <a:schemeClr val="tx1"/>
         </a:solidFill>
@@ -448,8 +448,8 @@
         <a:cs typeface="+mn-cs"/>
       </a:defRPr>
     </a:lvl5pPr>
-    <a:lvl6pPr marL="1489663" algn="l" defTabSz="595865" rtl="0" eaLnBrk="1" latinLnBrk="0" hangingPunct="1">
-      <a:defRPr kumimoji="1" sz="800" kern="1200">
+    <a:lvl6pPr marL="1072259" algn="l" defTabSz="428904" rtl="0" eaLnBrk="1" latinLnBrk="0" hangingPunct="1">
+      <a:defRPr kumimoji="1" sz="600" kern="1200">
         <a:solidFill>
           <a:schemeClr val="tx1"/>
         </a:solidFill>
@@ -458,8 +458,8 @@
         <a:cs typeface="+mn-cs"/>
       </a:defRPr>
     </a:lvl6pPr>
-    <a:lvl7pPr marL="1787595" algn="l" defTabSz="595865" rtl="0" eaLnBrk="1" latinLnBrk="0" hangingPunct="1">
-      <a:defRPr kumimoji="1" sz="800" kern="1200">
+    <a:lvl7pPr marL="1286711" algn="l" defTabSz="428904" rtl="0" eaLnBrk="1" latinLnBrk="0" hangingPunct="1">
+      <a:defRPr kumimoji="1" sz="600" kern="1200">
         <a:solidFill>
           <a:schemeClr val="tx1"/>
         </a:solidFill>
@@ -468,8 +468,8 @@
         <a:cs typeface="+mn-cs"/>
       </a:defRPr>
     </a:lvl7pPr>
-    <a:lvl8pPr marL="2085526" algn="l" defTabSz="595865" rtl="0" eaLnBrk="1" latinLnBrk="0" hangingPunct="1">
-      <a:defRPr kumimoji="1" sz="800" kern="1200">
+    <a:lvl8pPr marL="1501162" algn="l" defTabSz="428904" rtl="0" eaLnBrk="1" latinLnBrk="0" hangingPunct="1">
+      <a:defRPr kumimoji="1" sz="600" kern="1200">
         <a:solidFill>
           <a:schemeClr val="tx1"/>
         </a:solidFill>
@@ -478,8 +478,8 @@
         <a:cs typeface="+mn-cs"/>
       </a:defRPr>
     </a:lvl8pPr>
-    <a:lvl9pPr marL="2383458" algn="l" defTabSz="595865" rtl="0" eaLnBrk="1" latinLnBrk="0" hangingPunct="1">
-      <a:defRPr kumimoji="1" sz="800" kern="1200">
+    <a:lvl9pPr marL="1715613" algn="l" defTabSz="428904" rtl="0" eaLnBrk="1" latinLnBrk="0" hangingPunct="1">
+      <a:defRPr kumimoji="1" sz="600" kern="1200">
         <a:solidFill>
           <a:schemeClr val="tx1"/>
         </a:solidFill>
@@ -521,8 +521,8 @@
         </p:nvSpPr>
         <p:spPr>
           <a:xfrm>
-            <a:off x="382588" y="685800"/>
-            <a:ext cx="6092825" cy="3429000"/>
+            <a:off x="0" y="685800"/>
+            <a:ext cx="6858000" cy="3429000"/>
           </a:xfrm>
         </p:spPr>
       </p:sp>
@@ -610,8 +610,8 @@
         </p:nvSpPr>
         <p:spPr>
           <a:xfrm>
-            <a:off x="457200" y="1065708"/>
-            <a:ext cx="5181600" cy="735353"/>
+            <a:off x="342900" y="710144"/>
+            <a:ext cx="3886200" cy="490008"/>
           </a:xfrm>
         </p:spPr>
         <p:txBody>
@@ -638,8 +638,8 @@
         </p:nvSpPr>
         <p:spPr>
           <a:xfrm>
-            <a:off x="914400" y="1944003"/>
-            <a:ext cx="4267201" cy="876705"/>
+            <a:off x="685800" y="1295403"/>
+            <a:ext cx="3200401" cy="584199"/>
           </a:xfrm>
         </p:spPr>
         <p:txBody>
@@ -655,7 +655,7 @@
                 </a:solidFill>
               </a:defRPr>
             </a:lvl1pPr>
-            <a:lvl2pPr marL="297933" indent="0" algn="ctr">
+            <a:lvl2pPr marL="214452" indent="0" algn="ctr">
               <a:buNone/>
               <a:defRPr>
                 <a:solidFill>
@@ -665,7 +665,7 @@
                 </a:solidFill>
               </a:defRPr>
             </a:lvl2pPr>
-            <a:lvl3pPr marL="595865" indent="0" algn="ctr">
+            <a:lvl3pPr marL="428904" indent="0" algn="ctr">
               <a:buNone/>
               <a:defRPr>
                 <a:solidFill>
@@ -675,7 +675,7 @@
                 </a:solidFill>
               </a:defRPr>
             </a:lvl3pPr>
-            <a:lvl4pPr marL="893798" indent="0" algn="ctr">
+            <a:lvl4pPr marL="643356" indent="0" algn="ctr">
               <a:buNone/>
               <a:defRPr>
                 <a:solidFill>
@@ -685,7 +685,7 @@
                 </a:solidFill>
               </a:defRPr>
             </a:lvl4pPr>
-            <a:lvl5pPr marL="1191730" indent="0" algn="ctr">
+            <a:lvl5pPr marL="857807" indent="0" algn="ctr">
               <a:buNone/>
               <a:defRPr>
                 <a:solidFill>
@@ -695,7 +695,7 @@
                 </a:solidFill>
               </a:defRPr>
             </a:lvl5pPr>
-            <a:lvl6pPr marL="1489663" indent="0" algn="ctr">
+            <a:lvl6pPr marL="1072259" indent="0" algn="ctr">
               <a:buNone/>
               <a:defRPr>
                 <a:solidFill>
@@ -705,7 +705,7 @@
                 </a:solidFill>
               </a:defRPr>
             </a:lvl6pPr>
-            <a:lvl7pPr marL="1787595" indent="0" algn="ctr">
+            <a:lvl7pPr marL="1286711" indent="0" algn="ctr">
               <a:buNone/>
               <a:defRPr>
                 <a:solidFill>
@@ -715,7 +715,7 @@
                 </a:solidFill>
               </a:defRPr>
             </a:lvl7pPr>
-            <a:lvl8pPr marL="2085526" indent="0" algn="ctr">
+            <a:lvl8pPr marL="1501162" indent="0" algn="ctr">
               <a:buNone/>
               <a:defRPr>
                 <a:solidFill>
@@ -725,7 +725,7 @@
                 </a:solidFill>
               </a:defRPr>
             </a:lvl8pPr>
-            <a:lvl9pPr marL="2383458" indent="0" algn="ctr">
+            <a:lvl9pPr marL="1715613" indent="0" algn="ctr">
               <a:buNone/>
               <a:defRPr>
                 <a:solidFill>
@@ -762,7 +762,7 @@
           <a:p>
             <a:fld id="{5D78CD70-2F04-42EE-8C6B-782007D6293F}" type="datetimeFigureOut">
               <a:rPr kumimoji="1" lang="ja-JP" altLang="en-US" smtClean="0"/>
-              <a:t>2017/8/4</a:t>
+              <a:t>2017/8/12</a:t>
             </a:fld>
             <a:endParaRPr kumimoji="1" lang="ja-JP" altLang="en-US"/>
           </a:p>
@@ -964,7 +964,7 @@
           <a:p>
             <a:fld id="{5D78CD70-2F04-42EE-8C6B-782007D6293F}" type="datetimeFigureOut">
               <a:rPr kumimoji="1" lang="ja-JP" altLang="en-US" smtClean="0"/>
-              <a:t>2017/8/4</a:t>
+              <a:t>2017/8/12</a:t>
             </a:fld>
             <a:endParaRPr kumimoji="1" lang="ja-JP" altLang="en-US"/>
           </a:p>
@@ -1054,8 +1054,8 @@
         </p:nvSpPr>
         <p:spPr>
           <a:xfrm>
-            <a:off x="4419603" y="137385"/>
-            <a:ext cx="1371599" cy="2927117"/>
+            <a:off x="3314703" y="91548"/>
+            <a:ext cx="1028699" cy="1950508"/>
           </a:xfrm>
         </p:spPr>
         <p:txBody>
@@ -1082,8 +1082,8 @@
         </p:nvSpPr>
         <p:spPr>
           <a:xfrm>
-            <a:off x="304804" y="137385"/>
-            <a:ext cx="4013199" cy="2927117"/>
+            <a:off x="228604" y="91548"/>
+            <a:ext cx="3009899" cy="1950508"/>
           </a:xfrm>
         </p:spPr>
         <p:txBody>
@@ -1176,7 +1176,7 @@
           <a:p>
             <a:fld id="{5D78CD70-2F04-42EE-8C6B-782007D6293F}" type="datetimeFigureOut">
               <a:rPr kumimoji="1" lang="ja-JP" altLang="en-US" smtClean="0"/>
-              <a:t>2017/8/4</a:t>
+              <a:t>2017/8/12</a:t>
             </a:fld>
             <a:endParaRPr kumimoji="1" lang="ja-JP" altLang="en-US"/>
           </a:p>
@@ -1378,7 +1378,7 @@
           <a:p>
             <a:fld id="{5D78CD70-2F04-42EE-8C6B-782007D6293F}" type="datetimeFigureOut">
               <a:rPr kumimoji="1" lang="ja-JP" altLang="en-US" smtClean="0"/>
-              <a:t>2017/8/4</a:t>
+              <a:t>2017/8/12</a:t>
             </a:fld>
             <a:endParaRPr kumimoji="1" lang="ja-JP" altLang="en-US"/>
           </a:p>
@@ -1468,15 +1468,15 @@
         </p:nvSpPr>
         <p:spPr>
           <a:xfrm>
-            <a:off x="481541" y="2204473"/>
-            <a:ext cx="5181600" cy="681352"/>
+            <a:off x="361156" y="1468969"/>
+            <a:ext cx="3886200" cy="454024"/>
           </a:xfrm>
         </p:spPr>
         <p:txBody>
           <a:bodyPr anchor="t"/>
           <a:lstStyle>
             <a:lvl1pPr algn="l">
-              <a:defRPr sz="2600" b="1" cap="all"/>
+              <a:defRPr sz="1900" b="1" cap="all"/>
             </a:lvl1pPr>
           </a:lstStyle>
           <a:p>
@@ -1500,8 +1500,8 @@
         </p:nvSpPr>
         <p:spPr>
           <a:xfrm>
-            <a:off x="481541" y="1454031"/>
-            <a:ext cx="5181600" cy="750440"/>
+            <a:off x="361156" y="968905"/>
+            <a:ext cx="3886200" cy="500062"/>
           </a:xfrm>
         </p:spPr>
         <p:txBody>
@@ -1509,7 +1509,7 @@
           <a:lstStyle>
             <a:lvl1pPr marL="0" indent="0">
               <a:buNone/>
-              <a:defRPr sz="1400">
+              <a:defRPr sz="1000">
                 <a:solidFill>
                   <a:schemeClr val="tx1">
                     <a:tint val="75000"/>
@@ -1517,9 +1517,9 @@
                 </a:solidFill>
               </a:defRPr>
             </a:lvl1pPr>
-            <a:lvl2pPr marL="297933" indent="0">
-              <a:buNone/>
-              <a:defRPr sz="1200">
+            <a:lvl2pPr marL="214452" indent="0">
+              <a:buNone/>
+              <a:defRPr sz="900">
                 <a:solidFill>
                   <a:schemeClr val="tx1">
                     <a:tint val="75000"/>
@@ -1527,9 +1527,9 @@
                 </a:solidFill>
               </a:defRPr>
             </a:lvl2pPr>
-            <a:lvl3pPr marL="595865" indent="0">
-              <a:buNone/>
-              <a:defRPr sz="1000">
+            <a:lvl3pPr marL="428904" indent="0">
+              <a:buNone/>
+              <a:defRPr sz="700">
                 <a:solidFill>
                   <a:schemeClr val="tx1">
                     <a:tint val="75000"/>
@@ -1537,9 +1537,9 @@
                 </a:solidFill>
               </a:defRPr>
             </a:lvl3pPr>
-            <a:lvl4pPr marL="893798" indent="0">
-              <a:buNone/>
-              <a:defRPr sz="1000">
+            <a:lvl4pPr marL="643356" indent="0">
+              <a:buNone/>
+              <a:defRPr sz="700">
                 <a:solidFill>
                   <a:schemeClr val="tx1">
                     <a:tint val="75000"/>
@@ -1547,9 +1547,9 @@
                 </a:solidFill>
               </a:defRPr>
             </a:lvl4pPr>
-            <a:lvl5pPr marL="1191730" indent="0">
-              <a:buNone/>
-              <a:defRPr sz="1000">
+            <a:lvl5pPr marL="857807" indent="0">
+              <a:buNone/>
+              <a:defRPr sz="700">
                 <a:solidFill>
                   <a:schemeClr val="tx1">
                     <a:tint val="75000"/>
@@ -1557,9 +1557,9 @@
                 </a:solidFill>
               </a:defRPr>
             </a:lvl5pPr>
-            <a:lvl6pPr marL="1489663" indent="0">
-              <a:buNone/>
-              <a:defRPr sz="1000">
+            <a:lvl6pPr marL="1072259" indent="0">
+              <a:buNone/>
+              <a:defRPr sz="700">
                 <a:solidFill>
                   <a:schemeClr val="tx1">
                     <a:tint val="75000"/>
@@ -1567,9 +1567,9 @@
                 </a:solidFill>
               </a:defRPr>
             </a:lvl6pPr>
-            <a:lvl7pPr marL="1787595" indent="0">
-              <a:buNone/>
-              <a:defRPr sz="1000">
+            <a:lvl7pPr marL="1286711" indent="0">
+              <a:buNone/>
+              <a:defRPr sz="700">
                 <a:solidFill>
                   <a:schemeClr val="tx1">
                     <a:tint val="75000"/>
@@ -1577,9 +1577,9 @@
                 </a:solidFill>
               </a:defRPr>
             </a:lvl7pPr>
-            <a:lvl8pPr marL="2085526" indent="0">
-              <a:buNone/>
-              <a:defRPr sz="1000">
+            <a:lvl8pPr marL="1501162" indent="0">
+              <a:buNone/>
+              <a:defRPr sz="700">
                 <a:solidFill>
                   <a:schemeClr val="tx1">
                     <a:tint val="75000"/>
@@ -1587,9 +1587,9 @@
                 </a:solidFill>
               </a:defRPr>
             </a:lvl8pPr>
-            <a:lvl9pPr marL="2383458" indent="0">
-              <a:buNone/>
-              <a:defRPr sz="1000">
+            <a:lvl9pPr marL="1715613" indent="0">
+              <a:buNone/>
+              <a:defRPr sz="700">
                 <a:solidFill>
                   <a:schemeClr val="tx1">
                     <a:tint val="75000"/>
@@ -1624,7 +1624,7 @@
           <a:p>
             <a:fld id="{5D78CD70-2F04-42EE-8C6B-782007D6293F}" type="datetimeFigureOut">
               <a:rPr kumimoji="1" lang="ja-JP" altLang="en-US" smtClean="0"/>
-              <a:t>2017/8/4</a:t>
+              <a:t>2017/8/12</a:t>
             </a:fld>
             <a:endParaRPr kumimoji="1" lang="ja-JP" altLang="en-US"/>
           </a:p>
@@ -1737,39 +1737,39 @@
         </p:nvSpPr>
         <p:spPr>
           <a:xfrm>
-            <a:off x="304802" y="800471"/>
-            <a:ext cx="2692399" cy="2264029"/>
+            <a:off x="228602" y="533401"/>
+            <a:ext cx="2019299" cy="1508654"/>
           </a:xfrm>
         </p:spPr>
         <p:txBody>
           <a:bodyPr/>
           <a:lstStyle>
             <a:lvl1pPr>
-              <a:defRPr sz="1800"/>
+              <a:defRPr sz="1300"/>
             </a:lvl1pPr>
             <a:lvl2pPr>
-              <a:defRPr sz="1600"/>
+              <a:defRPr sz="1200"/>
             </a:lvl2pPr>
             <a:lvl3pPr>
-              <a:defRPr sz="1400"/>
+              <a:defRPr sz="1000"/>
             </a:lvl3pPr>
             <a:lvl4pPr>
-              <a:defRPr sz="1200"/>
+              <a:defRPr sz="900"/>
             </a:lvl4pPr>
             <a:lvl5pPr>
-              <a:defRPr sz="1200"/>
+              <a:defRPr sz="900"/>
             </a:lvl5pPr>
             <a:lvl6pPr>
-              <a:defRPr sz="1200"/>
+              <a:defRPr sz="900"/>
             </a:lvl6pPr>
             <a:lvl7pPr>
-              <a:defRPr sz="1200"/>
+              <a:defRPr sz="900"/>
             </a:lvl7pPr>
             <a:lvl8pPr>
-              <a:defRPr sz="1200"/>
+              <a:defRPr sz="900"/>
             </a:lvl8pPr>
             <a:lvl9pPr>
-              <a:defRPr sz="1200"/>
+              <a:defRPr sz="900"/>
             </a:lvl9pPr>
           </a:lstStyle>
           <a:p>
@@ -1854,39 +1854,39 @@
         </p:nvSpPr>
         <p:spPr>
           <a:xfrm>
-            <a:off x="3098803" y="800471"/>
-            <a:ext cx="2692399" cy="2264029"/>
+            <a:off x="2324103" y="533401"/>
+            <a:ext cx="2019299" cy="1508654"/>
           </a:xfrm>
         </p:spPr>
         <p:txBody>
           <a:bodyPr/>
           <a:lstStyle>
             <a:lvl1pPr>
-              <a:defRPr sz="1800"/>
+              <a:defRPr sz="1300"/>
             </a:lvl1pPr>
             <a:lvl2pPr>
-              <a:defRPr sz="1600"/>
+              <a:defRPr sz="1200"/>
             </a:lvl2pPr>
             <a:lvl3pPr>
-              <a:defRPr sz="1400"/>
+              <a:defRPr sz="1000"/>
             </a:lvl3pPr>
             <a:lvl4pPr>
-              <a:defRPr sz="1200"/>
+              <a:defRPr sz="900"/>
             </a:lvl4pPr>
             <a:lvl5pPr>
-              <a:defRPr sz="1200"/>
+              <a:defRPr sz="900"/>
             </a:lvl5pPr>
             <a:lvl6pPr>
-              <a:defRPr sz="1200"/>
+              <a:defRPr sz="900"/>
             </a:lvl6pPr>
             <a:lvl7pPr>
-              <a:defRPr sz="1200"/>
+              <a:defRPr sz="900"/>
             </a:lvl7pPr>
             <a:lvl8pPr>
-              <a:defRPr sz="1200"/>
+              <a:defRPr sz="900"/>
             </a:lvl8pPr>
             <a:lvl9pPr>
-              <a:defRPr sz="1200"/>
+              <a:defRPr sz="900"/>
             </a:lvl9pPr>
           </a:lstStyle>
           <a:p>
@@ -1976,7 +1976,7 @@
           <a:p>
             <a:fld id="{5D78CD70-2F04-42EE-8C6B-782007D6293F}" type="datetimeFigureOut">
               <a:rPr kumimoji="1" lang="ja-JP" altLang="en-US" smtClean="0"/>
-              <a:t>2017/8/4</a:t>
+              <a:t>2017/8/12</a:t>
             </a:fld>
             <a:endParaRPr kumimoji="1" lang="ja-JP" altLang="en-US"/>
           </a:p>
@@ -2093,8 +2093,8 @@
         </p:nvSpPr>
         <p:spPr>
           <a:xfrm>
-            <a:off x="304802" y="767915"/>
-            <a:ext cx="2693459" cy="320030"/>
+            <a:off x="228602" y="511706"/>
+            <a:ext cx="2020094" cy="213255"/>
           </a:xfrm>
         </p:spPr>
         <p:txBody>
@@ -2102,39 +2102,39 @@
           <a:lstStyle>
             <a:lvl1pPr marL="0" indent="0">
               <a:buNone/>
-              <a:defRPr sz="1600" b="1"/>
+              <a:defRPr sz="1200" b="1"/>
             </a:lvl1pPr>
-            <a:lvl2pPr marL="297933" indent="0">
-              <a:buNone/>
-              <a:defRPr sz="1400" b="1"/>
+            <a:lvl2pPr marL="214452" indent="0">
+              <a:buNone/>
+              <a:defRPr sz="1000" b="1"/>
             </a:lvl2pPr>
-            <a:lvl3pPr marL="595865" indent="0">
-              <a:buNone/>
-              <a:defRPr sz="1200" b="1"/>
+            <a:lvl3pPr marL="428904" indent="0">
+              <a:buNone/>
+              <a:defRPr sz="900" b="1"/>
             </a:lvl3pPr>
-            <a:lvl4pPr marL="893798" indent="0">
-              <a:buNone/>
-              <a:defRPr sz="1000" b="1"/>
+            <a:lvl4pPr marL="643356" indent="0">
+              <a:buNone/>
+              <a:defRPr sz="700" b="1"/>
             </a:lvl4pPr>
-            <a:lvl5pPr marL="1191730" indent="0">
-              <a:buNone/>
-              <a:defRPr sz="1000" b="1"/>
+            <a:lvl5pPr marL="857807" indent="0">
+              <a:buNone/>
+              <a:defRPr sz="700" b="1"/>
             </a:lvl5pPr>
-            <a:lvl6pPr marL="1489663" indent="0">
-              <a:buNone/>
-              <a:defRPr sz="1000" b="1"/>
+            <a:lvl6pPr marL="1072259" indent="0">
+              <a:buNone/>
+              <a:defRPr sz="700" b="1"/>
             </a:lvl6pPr>
-            <a:lvl7pPr marL="1787595" indent="0">
-              <a:buNone/>
-              <a:defRPr sz="1000" b="1"/>
+            <a:lvl7pPr marL="1286711" indent="0">
+              <a:buNone/>
+              <a:defRPr sz="700" b="1"/>
             </a:lvl7pPr>
-            <a:lvl8pPr marL="2085526" indent="0">
-              <a:buNone/>
-              <a:defRPr sz="1000" b="1"/>
+            <a:lvl8pPr marL="1501162" indent="0">
+              <a:buNone/>
+              <a:defRPr sz="700" b="1"/>
             </a:lvl8pPr>
-            <a:lvl9pPr marL="2383458" indent="0">
-              <a:buNone/>
-              <a:defRPr sz="1000" b="1"/>
+            <a:lvl9pPr marL="1715613" indent="0">
+              <a:buNone/>
+              <a:defRPr sz="700" b="1"/>
             </a:lvl9pPr>
           </a:lstStyle>
           <a:p>
@@ -2158,39 +2158,39 @@
         </p:nvSpPr>
         <p:spPr>
           <a:xfrm>
-            <a:off x="304802" y="1087943"/>
-            <a:ext cx="2693459" cy="1976558"/>
+            <a:off x="228602" y="724960"/>
+            <a:ext cx="2020094" cy="1317095"/>
           </a:xfrm>
         </p:spPr>
         <p:txBody>
           <a:bodyPr/>
           <a:lstStyle>
             <a:lvl1pPr>
-              <a:defRPr sz="1600"/>
+              <a:defRPr sz="1200"/>
             </a:lvl1pPr>
             <a:lvl2pPr>
-              <a:defRPr sz="1400"/>
+              <a:defRPr sz="1000"/>
             </a:lvl2pPr>
             <a:lvl3pPr>
-              <a:defRPr sz="1200"/>
+              <a:defRPr sz="900"/>
             </a:lvl3pPr>
             <a:lvl4pPr>
-              <a:defRPr sz="1000"/>
+              <a:defRPr sz="700"/>
             </a:lvl4pPr>
             <a:lvl5pPr>
-              <a:defRPr sz="1000"/>
+              <a:defRPr sz="700"/>
             </a:lvl5pPr>
             <a:lvl6pPr>
-              <a:defRPr sz="1000"/>
+              <a:defRPr sz="700"/>
             </a:lvl6pPr>
             <a:lvl7pPr>
-              <a:defRPr sz="1000"/>
+              <a:defRPr sz="700"/>
             </a:lvl7pPr>
             <a:lvl8pPr>
-              <a:defRPr sz="1000"/>
+              <a:defRPr sz="700"/>
             </a:lvl8pPr>
             <a:lvl9pPr>
-              <a:defRPr sz="1000"/>
+              <a:defRPr sz="700"/>
             </a:lvl9pPr>
           </a:lstStyle>
           <a:p>
@@ -2275,8 +2275,8 @@
         </p:nvSpPr>
         <p:spPr>
           <a:xfrm>
-            <a:off x="3096685" y="767915"/>
-            <a:ext cx="2694516" cy="320030"/>
+            <a:off x="2322514" y="511706"/>
+            <a:ext cx="2020887" cy="213255"/>
           </a:xfrm>
         </p:spPr>
         <p:txBody>
@@ -2284,39 +2284,39 @@
           <a:lstStyle>
             <a:lvl1pPr marL="0" indent="0">
               <a:buNone/>
-              <a:defRPr sz="1600" b="1"/>
+              <a:defRPr sz="1200" b="1"/>
             </a:lvl1pPr>
-            <a:lvl2pPr marL="297933" indent="0">
-              <a:buNone/>
-              <a:defRPr sz="1400" b="1"/>
+            <a:lvl2pPr marL="214452" indent="0">
+              <a:buNone/>
+              <a:defRPr sz="1000" b="1"/>
             </a:lvl2pPr>
-            <a:lvl3pPr marL="595865" indent="0">
-              <a:buNone/>
-              <a:defRPr sz="1200" b="1"/>
+            <a:lvl3pPr marL="428904" indent="0">
+              <a:buNone/>
+              <a:defRPr sz="900" b="1"/>
             </a:lvl3pPr>
-            <a:lvl4pPr marL="893798" indent="0">
-              <a:buNone/>
-              <a:defRPr sz="1000" b="1"/>
+            <a:lvl4pPr marL="643356" indent="0">
+              <a:buNone/>
+              <a:defRPr sz="700" b="1"/>
             </a:lvl4pPr>
-            <a:lvl5pPr marL="1191730" indent="0">
-              <a:buNone/>
-              <a:defRPr sz="1000" b="1"/>
+            <a:lvl5pPr marL="857807" indent="0">
+              <a:buNone/>
+              <a:defRPr sz="700" b="1"/>
             </a:lvl5pPr>
-            <a:lvl6pPr marL="1489663" indent="0">
-              <a:buNone/>
-              <a:defRPr sz="1000" b="1"/>
+            <a:lvl6pPr marL="1072259" indent="0">
+              <a:buNone/>
+              <a:defRPr sz="700" b="1"/>
             </a:lvl6pPr>
-            <a:lvl7pPr marL="1787595" indent="0">
-              <a:buNone/>
-              <a:defRPr sz="1000" b="1"/>
+            <a:lvl7pPr marL="1286711" indent="0">
+              <a:buNone/>
+              <a:defRPr sz="700" b="1"/>
             </a:lvl7pPr>
-            <a:lvl8pPr marL="2085526" indent="0">
-              <a:buNone/>
-              <a:defRPr sz="1000" b="1"/>
+            <a:lvl8pPr marL="1501162" indent="0">
+              <a:buNone/>
+              <a:defRPr sz="700" b="1"/>
             </a:lvl8pPr>
-            <a:lvl9pPr marL="2383458" indent="0">
-              <a:buNone/>
-              <a:defRPr sz="1000" b="1"/>
+            <a:lvl9pPr marL="1715613" indent="0">
+              <a:buNone/>
+              <a:defRPr sz="700" b="1"/>
             </a:lvl9pPr>
           </a:lstStyle>
           <a:p>
@@ -2340,39 +2340,39 @@
         </p:nvSpPr>
         <p:spPr>
           <a:xfrm>
-            <a:off x="3096685" y="1087943"/>
-            <a:ext cx="2694516" cy="1976558"/>
+            <a:off x="2322514" y="724960"/>
+            <a:ext cx="2020887" cy="1317095"/>
           </a:xfrm>
         </p:spPr>
         <p:txBody>
           <a:bodyPr/>
           <a:lstStyle>
             <a:lvl1pPr>
-              <a:defRPr sz="1600"/>
+              <a:defRPr sz="1200"/>
             </a:lvl1pPr>
             <a:lvl2pPr>
-              <a:defRPr sz="1400"/>
+              <a:defRPr sz="1000"/>
             </a:lvl2pPr>
             <a:lvl3pPr>
-              <a:defRPr sz="1200"/>
+              <a:defRPr sz="900"/>
             </a:lvl3pPr>
             <a:lvl4pPr>
-              <a:defRPr sz="1000"/>
+              <a:defRPr sz="700"/>
             </a:lvl4pPr>
             <a:lvl5pPr>
-              <a:defRPr sz="1000"/>
+              <a:defRPr sz="700"/>
             </a:lvl5pPr>
             <a:lvl6pPr>
-              <a:defRPr sz="1000"/>
+              <a:defRPr sz="700"/>
             </a:lvl6pPr>
             <a:lvl7pPr>
-              <a:defRPr sz="1000"/>
+              <a:defRPr sz="700"/>
             </a:lvl7pPr>
             <a:lvl8pPr>
-              <a:defRPr sz="1000"/>
+              <a:defRPr sz="700"/>
             </a:lvl8pPr>
             <a:lvl9pPr>
-              <a:defRPr sz="1000"/>
+              <a:defRPr sz="700"/>
             </a:lvl9pPr>
           </a:lstStyle>
           <a:p>
@@ -2462,7 +2462,7 @@
           <a:p>
             <a:fld id="{5D78CD70-2F04-42EE-8C6B-782007D6293F}" type="datetimeFigureOut">
               <a:rPr kumimoji="1" lang="ja-JP" altLang="en-US" smtClean="0"/>
-              <a:t>2017/8/4</a:t>
+              <a:t>2017/8/12</a:t>
             </a:fld>
             <a:endParaRPr kumimoji="1" lang="ja-JP" altLang="en-US"/>
           </a:p>
@@ -2580,7 +2580,7 @@
           <a:p>
             <a:fld id="{5D78CD70-2F04-42EE-8C6B-782007D6293F}" type="datetimeFigureOut">
               <a:rPr kumimoji="1" lang="ja-JP" altLang="en-US" smtClean="0"/>
-              <a:t>2017/8/4</a:t>
+              <a:t>2017/8/12</a:t>
             </a:fld>
             <a:endParaRPr kumimoji="1" lang="ja-JP" altLang="en-US"/>
           </a:p>
@@ -2675,7 +2675,7 @@
           <a:p>
             <a:fld id="{5D78CD70-2F04-42EE-8C6B-782007D6293F}" type="datetimeFigureOut">
               <a:rPr kumimoji="1" lang="ja-JP" altLang="en-US" smtClean="0"/>
-              <a:t>2017/8/4</a:t>
+              <a:t>2017/8/12</a:t>
             </a:fld>
             <a:endParaRPr kumimoji="1" lang="ja-JP" altLang="en-US"/>
           </a:p>
@@ -2772,15 +2772,15 @@
         </p:nvSpPr>
         <p:spPr>
           <a:xfrm>
-            <a:off x="304804" y="136589"/>
-            <a:ext cx="2005541" cy="581295"/>
+            <a:off x="228603" y="91017"/>
+            <a:ext cx="1504156" cy="387351"/>
           </a:xfrm>
         </p:spPr>
         <p:txBody>
           <a:bodyPr anchor="b"/>
           <a:lstStyle>
             <a:lvl1pPr algn="l">
-              <a:defRPr sz="1400" b="1"/>
+              <a:defRPr sz="1000" b="1"/>
             </a:lvl1pPr>
           </a:lstStyle>
           <a:p>
@@ -2804,39 +2804,39 @@
         </p:nvSpPr>
         <p:spPr>
           <a:xfrm>
-            <a:off x="2383366" y="136588"/>
-            <a:ext cx="3407833" cy="2927912"/>
+            <a:off x="1787525" y="91016"/>
+            <a:ext cx="2555875" cy="1951038"/>
           </a:xfrm>
         </p:spPr>
         <p:txBody>
           <a:bodyPr/>
           <a:lstStyle>
             <a:lvl1pPr>
-              <a:defRPr sz="2000"/>
+              <a:defRPr sz="1400"/>
             </a:lvl1pPr>
             <a:lvl2pPr>
-              <a:defRPr sz="1800"/>
+              <a:defRPr sz="1300"/>
             </a:lvl2pPr>
             <a:lvl3pPr>
-              <a:defRPr sz="1600"/>
+              <a:defRPr sz="1200"/>
             </a:lvl3pPr>
             <a:lvl4pPr>
-              <a:defRPr sz="1400"/>
+              <a:defRPr sz="1000"/>
             </a:lvl4pPr>
             <a:lvl5pPr>
-              <a:defRPr sz="1400"/>
+              <a:defRPr sz="1000"/>
             </a:lvl5pPr>
             <a:lvl6pPr>
-              <a:defRPr sz="1400"/>
+              <a:defRPr sz="1000"/>
             </a:lvl6pPr>
             <a:lvl7pPr>
-              <a:defRPr sz="1400"/>
+              <a:defRPr sz="1000"/>
             </a:lvl7pPr>
             <a:lvl8pPr>
-              <a:defRPr sz="1400"/>
+              <a:defRPr sz="1000"/>
             </a:lvl8pPr>
             <a:lvl9pPr>
-              <a:defRPr sz="1400"/>
+              <a:defRPr sz="1000"/>
             </a:lvl9pPr>
           </a:lstStyle>
           <a:p>
@@ -2921,8 +2921,8 @@
         </p:nvSpPr>
         <p:spPr>
           <a:xfrm>
-            <a:off x="304804" y="717883"/>
-            <a:ext cx="2005541" cy="2346619"/>
+            <a:off x="228603" y="478367"/>
+            <a:ext cx="1504156" cy="1563689"/>
           </a:xfrm>
         </p:spPr>
         <p:txBody>
@@ -2930,39 +2930,39 @@
           <a:lstStyle>
             <a:lvl1pPr marL="0" indent="0">
               <a:buNone/>
-              <a:defRPr sz="1000"/>
+              <a:defRPr sz="700"/>
             </a:lvl1pPr>
-            <a:lvl2pPr marL="297933" indent="0">
-              <a:buNone/>
-              <a:defRPr sz="800"/>
+            <a:lvl2pPr marL="214452" indent="0">
+              <a:buNone/>
+              <a:defRPr sz="600"/>
             </a:lvl2pPr>
-            <a:lvl3pPr marL="595865" indent="0">
-              <a:buNone/>
-              <a:defRPr sz="600"/>
+            <a:lvl3pPr marL="428904" indent="0">
+              <a:buNone/>
+              <a:defRPr sz="400"/>
             </a:lvl3pPr>
-            <a:lvl4pPr marL="893798" indent="0">
-              <a:buNone/>
-              <a:defRPr sz="600"/>
+            <a:lvl4pPr marL="643356" indent="0">
+              <a:buNone/>
+              <a:defRPr sz="400"/>
             </a:lvl4pPr>
-            <a:lvl5pPr marL="1191730" indent="0">
-              <a:buNone/>
-              <a:defRPr sz="600"/>
+            <a:lvl5pPr marL="857807" indent="0">
+              <a:buNone/>
+              <a:defRPr sz="400"/>
             </a:lvl5pPr>
-            <a:lvl6pPr marL="1489663" indent="0">
-              <a:buNone/>
-              <a:defRPr sz="600"/>
+            <a:lvl6pPr marL="1072259" indent="0">
+              <a:buNone/>
+              <a:defRPr sz="400"/>
             </a:lvl6pPr>
-            <a:lvl7pPr marL="1787595" indent="0">
-              <a:buNone/>
-              <a:defRPr sz="600"/>
+            <a:lvl7pPr marL="1286711" indent="0">
+              <a:buNone/>
+              <a:defRPr sz="400"/>
             </a:lvl7pPr>
-            <a:lvl8pPr marL="2085526" indent="0">
-              <a:buNone/>
-              <a:defRPr sz="600"/>
+            <a:lvl8pPr marL="1501162" indent="0">
+              <a:buNone/>
+              <a:defRPr sz="400"/>
             </a:lvl8pPr>
-            <a:lvl9pPr marL="2383458" indent="0">
-              <a:buNone/>
-              <a:defRPr sz="600"/>
+            <a:lvl9pPr marL="1715613" indent="0">
+              <a:buNone/>
+              <a:defRPr sz="400"/>
             </a:lvl9pPr>
           </a:lstStyle>
           <a:p>
@@ -2991,7 +2991,7 @@
           <a:p>
             <a:fld id="{5D78CD70-2F04-42EE-8C6B-782007D6293F}" type="datetimeFigureOut">
               <a:rPr kumimoji="1" lang="ja-JP" altLang="en-US" smtClean="0"/>
-              <a:t>2017/8/4</a:t>
+              <a:t>2017/8/12</a:t>
             </a:fld>
             <a:endParaRPr kumimoji="1" lang="ja-JP" altLang="en-US"/>
           </a:p>
@@ -3081,15 +3081,15 @@
         </p:nvSpPr>
         <p:spPr>
           <a:xfrm>
-            <a:off x="1194861" y="2401414"/>
-            <a:ext cx="3657600" cy="283500"/>
+            <a:off x="896146" y="1600201"/>
+            <a:ext cx="2743200" cy="188913"/>
           </a:xfrm>
         </p:spPr>
         <p:txBody>
           <a:bodyPr anchor="b"/>
           <a:lstStyle>
             <a:lvl1pPr algn="l">
-              <a:defRPr sz="1400" b="1"/>
+              <a:defRPr sz="1000" b="1"/>
             </a:lvl1pPr>
           </a:lstStyle>
           <a:p>
@@ -3113,8 +3113,8 @@
         </p:nvSpPr>
         <p:spPr>
           <a:xfrm>
-            <a:off x="1194861" y="306531"/>
-            <a:ext cx="3657600" cy="2058353"/>
+            <a:off x="896146" y="204260"/>
+            <a:ext cx="2743200" cy="1371600"/>
           </a:xfrm>
         </p:spPr>
         <p:txBody>
@@ -3122,39 +3122,39 @@
           <a:lstStyle>
             <a:lvl1pPr marL="0" indent="0">
               <a:buNone/>
-              <a:defRPr sz="2000"/>
+              <a:defRPr sz="1400"/>
             </a:lvl1pPr>
-            <a:lvl2pPr marL="297933" indent="0">
-              <a:buNone/>
-              <a:defRPr sz="1800"/>
+            <a:lvl2pPr marL="214452" indent="0">
+              <a:buNone/>
+              <a:defRPr sz="1300"/>
             </a:lvl2pPr>
-            <a:lvl3pPr marL="595865" indent="0">
-              <a:buNone/>
-              <a:defRPr sz="1600"/>
+            <a:lvl3pPr marL="428904" indent="0">
+              <a:buNone/>
+              <a:defRPr sz="1200"/>
             </a:lvl3pPr>
-            <a:lvl4pPr marL="893798" indent="0">
-              <a:buNone/>
-              <a:defRPr sz="1400"/>
+            <a:lvl4pPr marL="643356" indent="0">
+              <a:buNone/>
+              <a:defRPr sz="1000"/>
             </a:lvl4pPr>
-            <a:lvl5pPr marL="1191730" indent="0">
-              <a:buNone/>
-              <a:defRPr sz="1400"/>
+            <a:lvl5pPr marL="857807" indent="0">
+              <a:buNone/>
+              <a:defRPr sz="1000"/>
             </a:lvl5pPr>
-            <a:lvl6pPr marL="1489663" indent="0">
-              <a:buNone/>
-              <a:defRPr sz="1400"/>
+            <a:lvl6pPr marL="1072259" indent="0">
+              <a:buNone/>
+              <a:defRPr sz="1000"/>
             </a:lvl6pPr>
-            <a:lvl7pPr marL="1787595" indent="0">
-              <a:buNone/>
-              <a:defRPr sz="1400"/>
+            <a:lvl7pPr marL="1286711" indent="0">
+              <a:buNone/>
+              <a:defRPr sz="1000"/>
             </a:lvl7pPr>
-            <a:lvl8pPr marL="2085526" indent="0">
-              <a:buNone/>
-              <a:defRPr sz="1400"/>
+            <a:lvl8pPr marL="1501162" indent="0">
+              <a:buNone/>
+              <a:defRPr sz="1000"/>
             </a:lvl8pPr>
-            <a:lvl9pPr marL="2383458" indent="0">
-              <a:buNone/>
-              <a:defRPr sz="1400"/>
+            <a:lvl9pPr marL="1715613" indent="0">
+              <a:buNone/>
+              <a:defRPr sz="1000"/>
             </a:lvl9pPr>
           </a:lstStyle>
           <a:p>
@@ -3174,8 +3174,8 @@
         </p:nvSpPr>
         <p:spPr>
           <a:xfrm>
-            <a:off x="1194861" y="2684915"/>
-            <a:ext cx="3657600" cy="402617"/>
+            <a:off x="896146" y="1789115"/>
+            <a:ext cx="2743200" cy="268287"/>
           </a:xfrm>
         </p:spPr>
         <p:txBody>
@@ -3183,39 +3183,39 @@
           <a:lstStyle>
             <a:lvl1pPr marL="0" indent="0">
               <a:buNone/>
-              <a:defRPr sz="1000"/>
+              <a:defRPr sz="700"/>
             </a:lvl1pPr>
-            <a:lvl2pPr marL="297933" indent="0">
-              <a:buNone/>
-              <a:defRPr sz="800"/>
+            <a:lvl2pPr marL="214452" indent="0">
+              <a:buNone/>
+              <a:defRPr sz="600"/>
             </a:lvl2pPr>
-            <a:lvl3pPr marL="595865" indent="0">
-              <a:buNone/>
-              <a:defRPr sz="600"/>
+            <a:lvl3pPr marL="428904" indent="0">
+              <a:buNone/>
+              <a:defRPr sz="400"/>
             </a:lvl3pPr>
-            <a:lvl4pPr marL="893798" indent="0">
-              <a:buNone/>
-              <a:defRPr sz="600"/>
+            <a:lvl4pPr marL="643356" indent="0">
+              <a:buNone/>
+              <a:defRPr sz="400"/>
             </a:lvl4pPr>
-            <a:lvl5pPr marL="1191730" indent="0">
-              <a:buNone/>
-              <a:defRPr sz="600"/>
+            <a:lvl5pPr marL="857807" indent="0">
+              <a:buNone/>
+              <a:defRPr sz="400"/>
             </a:lvl5pPr>
-            <a:lvl6pPr marL="1489663" indent="0">
-              <a:buNone/>
-              <a:defRPr sz="600"/>
+            <a:lvl6pPr marL="1072259" indent="0">
+              <a:buNone/>
+              <a:defRPr sz="400"/>
             </a:lvl6pPr>
-            <a:lvl7pPr marL="1787595" indent="0">
-              <a:buNone/>
-              <a:defRPr sz="600"/>
+            <a:lvl7pPr marL="1286711" indent="0">
+              <a:buNone/>
+              <a:defRPr sz="400"/>
             </a:lvl7pPr>
-            <a:lvl8pPr marL="2085526" indent="0">
-              <a:buNone/>
-              <a:defRPr sz="600"/>
+            <a:lvl8pPr marL="1501162" indent="0">
+              <a:buNone/>
+              <a:defRPr sz="400"/>
             </a:lvl8pPr>
-            <a:lvl9pPr marL="2383458" indent="0">
-              <a:buNone/>
-              <a:defRPr sz="600"/>
+            <a:lvl9pPr marL="1715613" indent="0">
+              <a:buNone/>
+              <a:defRPr sz="400"/>
             </a:lvl9pPr>
           </a:lstStyle>
           <a:p>
@@ -3244,7 +3244,7 @@
           <a:p>
             <a:fld id="{5D78CD70-2F04-42EE-8C6B-782007D6293F}" type="datetimeFigureOut">
               <a:rPr kumimoji="1" lang="ja-JP" altLang="en-US" smtClean="0"/>
-              <a:t>2017/8/4</a:t>
+              <a:t>2017/8/12</a:t>
             </a:fld>
             <a:endParaRPr kumimoji="1" lang="ja-JP" altLang="en-US"/>
           </a:p>
@@ -3339,15 +3339,15 @@
         </p:nvSpPr>
         <p:spPr>
           <a:xfrm>
-            <a:off x="304804" y="137383"/>
-            <a:ext cx="5486400" cy="571766"/>
+            <a:off x="228603" y="91546"/>
+            <a:ext cx="4114800" cy="381001"/>
           </a:xfrm>
           <a:prstGeom prst="rect">
             <a:avLst/>
           </a:prstGeom>
         </p:spPr>
         <p:txBody>
-          <a:bodyPr vert="horz" lIns="59587" tIns="29793" rIns="59587" bIns="29793" rtlCol="0" anchor="ctr">
+          <a:bodyPr vert="horz" lIns="42891" tIns="21445" rIns="42891" bIns="21445" rtlCol="0" anchor="ctr">
             <a:normAutofit/>
           </a:bodyPr>
           <a:lstStyle/>
@@ -3372,15 +3372,15 @@
         </p:nvSpPr>
         <p:spPr>
           <a:xfrm>
-            <a:off x="304804" y="800471"/>
-            <a:ext cx="5486400" cy="2264029"/>
+            <a:off x="228603" y="533401"/>
+            <a:ext cx="4114800" cy="1508654"/>
           </a:xfrm>
           <a:prstGeom prst="rect">
             <a:avLst/>
           </a:prstGeom>
         </p:spPr>
         <p:txBody>
-          <a:bodyPr vert="horz" lIns="59587" tIns="29793" rIns="59587" bIns="29793" rtlCol="0">
+          <a:bodyPr vert="horz" lIns="42891" tIns="21445" rIns="42891" bIns="21445" rtlCol="0">
             <a:normAutofit/>
           </a:bodyPr>
           <a:lstStyle/>
@@ -3466,18 +3466,18 @@
         </p:nvSpPr>
         <p:spPr>
           <a:xfrm>
-            <a:off x="304802" y="3179649"/>
-            <a:ext cx="1422401" cy="182646"/>
+            <a:off x="228602" y="2118785"/>
+            <a:ext cx="1066801" cy="121708"/>
           </a:xfrm>
           <a:prstGeom prst="rect">
             <a:avLst/>
           </a:prstGeom>
         </p:spPr>
         <p:txBody>
-          <a:bodyPr vert="horz" lIns="59587" tIns="29793" rIns="59587" bIns="29793" rtlCol="0" anchor="ctr"/>
+          <a:bodyPr vert="horz" lIns="42891" tIns="21445" rIns="42891" bIns="21445" rtlCol="0" anchor="ctr"/>
           <a:lstStyle>
             <a:lvl1pPr algn="l">
-              <a:defRPr sz="800">
+              <a:defRPr sz="600">
                 <a:solidFill>
                   <a:schemeClr val="tx1">
                     <a:tint val="75000"/>
@@ -3489,7 +3489,7 @@
           <a:p>
             <a:fld id="{5D78CD70-2F04-42EE-8C6B-782007D6293F}" type="datetimeFigureOut">
               <a:rPr kumimoji="1" lang="ja-JP" altLang="en-US" smtClean="0"/>
-              <a:t>2017/8/4</a:t>
+              <a:t>2017/8/12</a:t>
             </a:fld>
             <a:endParaRPr kumimoji="1" lang="ja-JP" altLang="en-US"/>
           </a:p>
@@ -3507,18 +3507,18 @@
         </p:nvSpPr>
         <p:spPr>
           <a:xfrm>
-            <a:off x="2082804" y="3179649"/>
-            <a:ext cx="1930400" cy="182646"/>
+            <a:off x="1562103" y="2118785"/>
+            <a:ext cx="1447800" cy="121708"/>
           </a:xfrm>
           <a:prstGeom prst="rect">
             <a:avLst/>
           </a:prstGeom>
         </p:spPr>
         <p:txBody>
-          <a:bodyPr vert="horz" lIns="59587" tIns="29793" rIns="59587" bIns="29793" rtlCol="0" anchor="ctr"/>
+          <a:bodyPr vert="horz" lIns="42891" tIns="21445" rIns="42891" bIns="21445" rtlCol="0" anchor="ctr"/>
           <a:lstStyle>
             <a:lvl1pPr algn="ctr">
-              <a:defRPr sz="800">
+              <a:defRPr sz="600">
                 <a:solidFill>
                   <a:schemeClr val="tx1">
                     <a:tint val="75000"/>
@@ -3544,18 +3544,18 @@
         </p:nvSpPr>
         <p:spPr>
           <a:xfrm>
-            <a:off x="4368803" y="3179649"/>
-            <a:ext cx="1422401" cy="182646"/>
+            <a:off x="3276603" y="2118785"/>
+            <a:ext cx="1066801" cy="121708"/>
           </a:xfrm>
           <a:prstGeom prst="rect">
             <a:avLst/>
           </a:prstGeom>
         </p:spPr>
         <p:txBody>
-          <a:bodyPr vert="horz" lIns="59587" tIns="29793" rIns="59587" bIns="29793" rtlCol="0" anchor="ctr"/>
+          <a:bodyPr vert="horz" lIns="42891" tIns="21445" rIns="42891" bIns="21445" rtlCol="0" anchor="ctr"/>
           <a:lstStyle>
             <a:lvl1pPr algn="r">
-              <a:defRPr sz="800">
+              <a:defRPr sz="600">
                 <a:solidFill>
                   <a:schemeClr val="tx1">
                     <a:tint val="75000"/>
@@ -3596,12 +3596,12 @@
   </p:sldLayoutIdLst>
   <p:txStyles>
     <p:titleStyle>
-      <a:lvl1pPr algn="ctr" defTabSz="595865" rtl="0" eaLnBrk="1" latinLnBrk="0" hangingPunct="1">
+      <a:lvl1pPr algn="ctr" defTabSz="428904" rtl="0" eaLnBrk="1" latinLnBrk="0" hangingPunct="1">
         <a:spcBef>
           <a:spcPct val="0"/>
         </a:spcBef>
         <a:buNone/>
-        <a:defRPr kumimoji="1" sz="2800" kern="1200">
+        <a:defRPr kumimoji="1" sz="2000" kern="1200">
           <a:solidFill>
             <a:schemeClr val="tx1"/>
           </a:solidFill>
@@ -3612,82 +3612,7 @@
       </a:lvl1pPr>
     </p:titleStyle>
     <p:bodyStyle>
-      <a:lvl1pPr marL="223450" indent="-223450" algn="l" defTabSz="595865" rtl="0" eaLnBrk="1" latinLnBrk="0" hangingPunct="1">
-        <a:spcBef>
-          <a:spcPct val="20000"/>
-        </a:spcBef>
-        <a:buFont typeface="Arial" panose="020B0604020202020204" pitchFamily="34" charset="0"/>
-        <a:buChar char="•"/>
-        <a:defRPr kumimoji="1" sz="2000" kern="1200">
-          <a:solidFill>
-            <a:schemeClr val="tx1"/>
-          </a:solidFill>
-          <a:latin typeface="+mn-lt"/>
-          <a:ea typeface="+mn-ea"/>
-          <a:cs typeface="+mn-cs"/>
-        </a:defRPr>
-      </a:lvl1pPr>
-      <a:lvl2pPr marL="484140" indent="-186208" algn="l" defTabSz="595865" rtl="0" eaLnBrk="1" latinLnBrk="0" hangingPunct="1">
-        <a:spcBef>
-          <a:spcPct val="20000"/>
-        </a:spcBef>
-        <a:buFont typeface="Arial" panose="020B0604020202020204" pitchFamily="34" charset="0"/>
-        <a:buChar char="–"/>
-        <a:defRPr kumimoji="1" sz="1800" kern="1200">
-          <a:solidFill>
-            <a:schemeClr val="tx1"/>
-          </a:solidFill>
-          <a:latin typeface="+mn-lt"/>
-          <a:ea typeface="+mn-ea"/>
-          <a:cs typeface="+mn-cs"/>
-        </a:defRPr>
-      </a:lvl2pPr>
-      <a:lvl3pPr marL="744830" indent="-148965" algn="l" defTabSz="595865" rtl="0" eaLnBrk="1" latinLnBrk="0" hangingPunct="1">
-        <a:spcBef>
-          <a:spcPct val="20000"/>
-        </a:spcBef>
-        <a:buFont typeface="Arial" panose="020B0604020202020204" pitchFamily="34" charset="0"/>
-        <a:buChar char="•"/>
-        <a:defRPr kumimoji="1" sz="1600" kern="1200">
-          <a:solidFill>
-            <a:schemeClr val="tx1"/>
-          </a:solidFill>
-          <a:latin typeface="+mn-lt"/>
-          <a:ea typeface="+mn-ea"/>
-          <a:cs typeface="+mn-cs"/>
-        </a:defRPr>
-      </a:lvl3pPr>
-      <a:lvl4pPr marL="1042763" indent="-148965" algn="l" defTabSz="595865" rtl="0" eaLnBrk="1" latinLnBrk="0" hangingPunct="1">
-        <a:spcBef>
-          <a:spcPct val="20000"/>
-        </a:spcBef>
-        <a:buFont typeface="Arial" panose="020B0604020202020204" pitchFamily="34" charset="0"/>
-        <a:buChar char="–"/>
-        <a:defRPr kumimoji="1" sz="1400" kern="1200">
-          <a:solidFill>
-            <a:schemeClr val="tx1"/>
-          </a:solidFill>
-          <a:latin typeface="+mn-lt"/>
-          <a:ea typeface="+mn-ea"/>
-          <a:cs typeface="+mn-cs"/>
-        </a:defRPr>
-      </a:lvl4pPr>
-      <a:lvl5pPr marL="1340695" indent="-148965" algn="l" defTabSz="595865" rtl="0" eaLnBrk="1" latinLnBrk="0" hangingPunct="1">
-        <a:spcBef>
-          <a:spcPct val="20000"/>
-        </a:spcBef>
-        <a:buFont typeface="Arial" panose="020B0604020202020204" pitchFamily="34" charset="0"/>
-        <a:buChar char="»"/>
-        <a:defRPr kumimoji="1" sz="1400" kern="1200">
-          <a:solidFill>
-            <a:schemeClr val="tx1"/>
-          </a:solidFill>
-          <a:latin typeface="+mn-lt"/>
-          <a:ea typeface="+mn-ea"/>
-          <a:cs typeface="+mn-cs"/>
-        </a:defRPr>
-      </a:lvl5pPr>
-      <a:lvl6pPr marL="1638628" indent="-148965" algn="l" defTabSz="595865" rtl="0" eaLnBrk="1" latinLnBrk="0" hangingPunct="1">
+      <a:lvl1pPr marL="160839" indent="-160839" algn="l" defTabSz="428904" rtl="0" eaLnBrk="1" latinLnBrk="0" hangingPunct="1">
         <a:spcBef>
           <a:spcPct val="20000"/>
         </a:spcBef>
@@ -3701,14 +3626,89 @@
           <a:ea typeface="+mn-ea"/>
           <a:cs typeface="+mn-cs"/>
         </a:defRPr>
-      </a:lvl6pPr>
-      <a:lvl7pPr marL="1936561" indent="-148965" algn="l" defTabSz="595865" rtl="0" eaLnBrk="1" latinLnBrk="0" hangingPunct="1">
+      </a:lvl1pPr>
+      <a:lvl2pPr marL="348484" indent="-134033" algn="l" defTabSz="428904" rtl="0" eaLnBrk="1" latinLnBrk="0" hangingPunct="1">
+        <a:spcBef>
+          <a:spcPct val="20000"/>
+        </a:spcBef>
+        <a:buFont typeface="Arial" panose="020B0604020202020204" pitchFamily="34" charset="0"/>
+        <a:buChar char="–"/>
+        <a:defRPr kumimoji="1" sz="1300" kern="1200">
+          <a:solidFill>
+            <a:schemeClr val="tx1"/>
+          </a:solidFill>
+          <a:latin typeface="+mn-lt"/>
+          <a:ea typeface="+mn-ea"/>
+          <a:cs typeface="+mn-cs"/>
+        </a:defRPr>
+      </a:lvl2pPr>
+      <a:lvl3pPr marL="536129" indent="-107225" algn="l" defTabSz="428904" rtl="0" eaLnBrk="1" latinLnBrk="0" hangingPunct="1">
         <a:spcBef>
           <a:spcPct val="20000"/>
         </a:spcBef>
         <a:buFont typeface="Arial" panose="020B0604020202020204" pitchFamily="34" charset="0"/>
         <a:buChar char="•"/>
-        <a:defRPr kumimoji="1" sz="1400" kern="1200">
+        <a:defRPr kumimoji="1" sz="1200" kern="1200">
+          <a:solidFill>
+            <a:schemeClr val="tx1"/>
+          </a:solidFill>
+          <a:latin typeface="+mn-lt"/>
+          <a:ea typeface="+mn-ea"/>
+          <a:cs typeface="+mn-cs"/>
+        </a:defRPr>
+      </a:lvl3pPr>
+      <a:lvl4pPr marL="750581" indent="-107225" algn="l" defTabSz="428904" rtl="0" eaLnBrk="1" latinLnBrk="0" hangingPunct="1">
+        <a:spcBef>
+          <a:spcPct val="20000"/>
+        </a:spcBef>
+        <a:buFont typeface="Arial" panose="020B0604020202020204" pitchFamily="34" charset="0"/>
+        <a:buChar char="–"/>
+        <a:defRPr kumimoji="1" sz="1000" kern="1200">
+          <a:solidFill>
+            <a:schemeClr val="tx1"/>
+          </a:solidFill>
+          <a:latin typeface="+mn-lt"/>
+          <a:ea typeface="+mn-ea"/>
+          <a:cs typeface="+mn-cs"/>
+        </a:defRPr>
+      </a:lvl4pPr>
+      <a:lvl5pPr marL="965032" indent="-107225" algn="l" defTabSz="428904" rtl="0" eaLnBrk="1" latinLnBrk="0" hangingPunct="1">
+        <a:spcBef>
+          <a:spcPct val="20000"/>
+        </a:spcBef>
+        <a:buFont typeface="Arial" panose="020B0604020202020204" pitchFamily="34" charset="0"/>
+        <a:buChar char="»"/>
+        <a:defRPr kumimoji="1" sz="1000" kern="1200">
+          <a:solidFill>
+            <a:schemeClr val="tx1"/>
+          </a:solidFill>
+          <a:latin typeface="+mn-lt"/>
+          <a:ea typeface="+mn-ea"/>
+          <a:cs typeface="+mn-cs"/>
+        </a:defRPr>
+      </a:lvl5pPr>
+      <a:lvl6pPr marL="1179484" indent="-107225" algn="l" defTabSz="428904" rtl="0" eaLnBrk="1" latinLnBrk="0" hangingPunct="1">
+        <a:spcBef>
+          <a:spcPct val="20000"/>
+        </a:spcBef>
+        <a:buFont typeface="Arial" panose="020B0604020202020204" pitchFamily="34" charset="0"/>
+        <a:buChar char="•"/>
+        <a:defRPr kumimoji="1" sz="1000" kern="1200">
+          <a:solidFill>
+            <a:schemeClr val="tx1"/>
+          </a:solidFill>
+          <a:latin typeface="+mn-lt"/>
+          <a:ea typeface="+mn-ea"/>
+          <a:cs typeface="+mn-cs"/>
+        </a:defRPr>
+      </a:lvl6pPr>
+      <a:lvl7pPr marL="1393937" indent="-107225" algn="l" defTabSz="428904" rtl="0" eaLnBrk="1" latinLnBrk="0" hangingPunct="1">
+        <a:spcBef>
+          <a:spcPct val="20000"/>
+        </a:spcBef>
+        <a:buFont typeface="Arial" panose="020B0604020202020204" pitchFamily="34" charset="0"/>
+        <a:buChar char="•"/>
+        <a:defRPr kumimoji="1" sz="1000" kern="1200">
           <a:solidFill>
             <a:schemeClr val="tx1"/>
           </a:solidFill>
@@ -3717,13 +3717,13 @@
           <a:cs typeface="+mn-cs"/>
         </a:defRPr>
       </a:lvl7pPr>
-      <a:lvl8pPr marL="2234493" indent="-148965" algn="l" defTabSz="595865" rtl="0" eaLnBrk="1" latinLnBrk="0" hangingPunct="1">
+      <a:lvl8pPr marL="1608388" indent="-107225" algn="l" defTabSz="428904" rtl="0" eaLnBrk="1" latinLnBrk="0" hangingPunct="1">
         <a:spcBef>
           <a:spcPct val="20000"/>
         </a:spcBef>
         <a:buFont typeface="Arial" panose="020B0604020202020204" pitchFamily="34" charset="0"/>
         <a:buChar char="•"/>
-        <a:defRPr kumimoji="1" sz="1400" kern="1200">
+        <a:defRPr kumimoji="1" sz="1000" kern="1200">
           <a:solidFill>
             <a:schemeClr val="tx1"/>
           </a:solidFill>
@@ -3732,13 +3732,13 @@
           <a:cs typeface="+mn-cs"/>
         </a:defRPr>
       </a:lvl8pPr>
-      <a:lvl9pPr marL="2532426" indent="-148965" algn="l" defTabSz="595865" rtl="0" eaLnBrk="1" latinLnBrk="0" hangingPunct="1">
+      <a:lvl9pPr marL="1822840" indent="-107225" algn="l" defTabSz="428904" rtl="0" eaLnBrk="1" latinLnBrk="0" hangingPunct="1">
         <a:spcBef>
           <a:spcPct val="20000"/>
         </a:spcBef>
         <a:buFont typeface="Arial" panose="020B0604020202020204" pitchFamily="34" charset="0"/>
         <a:buChar char="•"/>
-        <a:defRPr kumimoji="1" sz="1400" kern="1200">
+        <a:defRPr kumimoji="1" sz="1000" kern="1200">
           <a:solidFill>
             <a:schemeClr val="tx1"/>
           </a:solidFill>
@@ -3752,8 +3752,8 @@
       <a:defPPr>
         <a:defRPr lang="ja-JP"/>
       </a:defPPr>
-      <a:lvl1pPr marL="0" algn="l" defTabSz="595865" rtl="0" eaLnBrk="1" latinLnBrk="0" hangingPunct="1">
-        <a:defRPr kumimoji="1" sz="1200" kern="1200">
+      <a:lvl1pPr marL="0" algn="l" defTabSz="428904" rtl="0" eaLnBrk="1" latinLnBrk="0" hangingPunct="1">
+        <a:defRPr kumimoji="1" sz="900" kern="1200">
           <a:solidFill>
             <a:schemeClr val="tx1"/>
           </a:solidFill>
@@ -3762,8 +3762,8 @@
           <a:cs typeface="+mn-cs"/>
         </a:defRPr>
       </a:lvl1pPr>
-      <a:lvl2pPr marL="297933" algn="l" defTabSz="595865" rtl="0" eaLnBrk="1" latinLnBrk="0" hangingPunct="1">
-        <a:defRPr kumimoji="1" sz="1200" kern="1200">
+      <a:lvl2pPr marL="214452" algn="l" defTabSz="428904" rtl="0" eaLnBrk="1" latinLnBrk="0" hangingPunct="1">
+        <a:defRPr kumimoji="1" sz="900" kern="1200">
           <a:solidFill>
             <a:schemeClr val="tx1"/>
           </a:solidFill>
@@ -3772,8 +3772,8 @@
           <a:cs typeface="+mn-cs"/>
         </a:defRPr>
       </a:lvl2pPr>
-      <a:lvl3pPr marL="595865" algn="l" defTabSz="595865" rtl="0" eaLnBrk="1" latinLnBrk="0" hangingPunct="1">
-        <a:defRPr kumimoji="1" sz="1200" kern="1200">
+      <a:lvl3pPr marL="428904" algn="l" defTabSz="428904" rtl="0" eaLnBrk="1" latinLnBrk="0" hangingPunct="1">
+        <a:defRPr kumimoji="1" sz="900" kern="1200">
           <a:solidFill>
             <a:schemeClr val="tx1"/>
           </a:solidFill>
@@ -3782,8 +3782,8 @@
           <a:cs typeface="+mn-cs"/>
         </a:defRPr>
       </a:lvl3pPr>
-      <a:lvl4pPr marL="893798" algn="l" defTabSz="595865" rtl="0" eaLnBrk="1" latinLnBrk="0" hangingPunct="1">
-        <a:defRPr kumimoji="1" sz="1200" kern="1200">
+      <a:lvl4pPr marL="643356" algn="l" defTabSz="428904" rtl="0" eaLnBrk="1" latinLnBrk="0" hangingPunct="1">
+        <a:defRPr kumimoji="1" sz="900" kern="1200">
           <a:solidFill>
             <a:schemeClr val="tx1"/>
           </a:solidFill>
@@ -3792,8 +3792,8 @@
           <a:cs typeface="+mn-cs"/>
         </a:defRPr>
       </a:lvl4pPr>
-      <a:lvl5pPr marL="1191730" algn="l" defTabSz="595865" rtl="0" eaLnBrk="1" latinLnBrk="0" hangingPunct="1">
-        <a:defRPr kumimoji="1" sz="1200" kern="1200">
+      <a:lvl5pPr marL="857807" algn="l" defTabSz="428904" rtl="0" eaLnBrk="1" latinLnBrk="0" hangingPunct="1">
+        <a:defRPr kumimoji="1" sz="900" kern="1200">
           <a:solidFill>
             <a:schemeClr val="tx1"/>
           </a:solidFill>
@@ -3802,8 +3802,8 @@
           <a:cs typeface="+mn-cs"/>
         </a:defRPr>
       </a:lvl5pPr>
-      <a:lvl6pPr marL="1489663" algn="l" defTabSz="595865" rtl="0" eaLnBrk="1" latinLnBrk="0" hangingPunct="1">
-        <a:defRPr kumimoji="1" sz="1200" kern="1200">
+      <a:lvl6pPr marL="1072259" algn="l" defTabSz="428904" rtl="0" eaLnBrk="1" latinLnBrk="0" hangingPunct="1">
+        <a:defRPr kumimoji="1" sz="900" kern="1200">
           <a:solidFill>
             <a:schemeClr val="tx1"/>
           </a:solidFill>
@@ -3812,8 +3812,8 @@
           <a:cs typeface="+mn-cs"/>
         </a:defRPr>
       </a:lvl6pPr>
-      <a:lvl7pPr marL="1787595" algn="l" defTabSz="595865" rtl="0" eaLnBrk="1" latinLnBrk="0" hangingPunct="1">
-        <a:defRPr kumimoji="1" sz="1200" kern="1200">
+      <a:lvl7pPr marL="1286711" algn="l" defTabSz="428904" rtl="0" eaLnBrk="1" latinLnBrk="0" hangingPunct="1">
+        <a:defRPr kumimoji="1" sz="900" kern="1200">
           <a:solidFill>
             <a:schemeClr val="tx1"/>
           </a:solidFill>
@@ -3822,8 +3822,8 @@
           <a:cs typeface="+mn-cs"/>
         </a:defRPr>
       </a:lvl7pPr>
-      <a:lvl8pPr marL="2085526" algn="l" defTabSz="595865" rtl="0" eaLnBrk="1" latinLnBrk="0" hangingPunct="1">
-        <a:defRPr kumimoji="1" sz="1200" kern="1200">
+      <a:lvl8pPr marL="1501162" algn="l" defTabSz="428904" rtl="0" eaLnBrk="1" latinLnBrk="0" hangingPunct="1">
+        <a:defRPr kumimoji="1" sz="900" kern="1200">
           <a:solidFill>
             <a:schemeClr val="tx1"/>
           </a:solidFill>
@@ -3832,8 +3832,8 @@
           <a:cs typeface="+mn-cs"/>
         </a:defRPr>
       </a:lvl8pPr>
-      <a:lvl9pPr marL="2383458" algn="l" defTabSz="595865" rtl="0" eaLnBrk="1" latinLnBrk="0" hangingPunct="1">
-        <a:defRPr kumimoji="1" sz="1200" kern="1200">
+      <a:lvl9pPr marL="1715613" algn="l" defTabSz="428904" rtl="0" eaLnBrk="1" latinLnBrk="0" hangingPunct="1">
+        <a:defRPr kumimoji="1" sz="900" kern="1200">
           <a:solidFill>
             <a:schemeClr val="tx1"/>
           </a:solidFill>
@@ -3864,808 +3864,860 @@
           <a:chExt cx="0" cy="0"/>
         </a:xfrm>
       </p:grpSpPr>
-      <p:sp>
-        <p:nvSpPr>
-          <p:cNvPr id="33" name="円/楕円 32"/>
-          <p:cNvSpPr>
-            <a:spLocks noChangeAspect="1"/>
-          </p:cNvSpPr>
+      <p:grpSp>
+        <p:nvGrpSpPr>
+          <p:cNvPr id="5" name="グループ化 4"/>
+          <p:cNvGrpSpPr/>
           <p:nvPr/>
-        </p:nvSpPr>
-        <p:spPr>
+        </p:nvGrpSpPr>
+        <p:grpSpPr>
           <a:xfrm>
-            <a:off x="1200004" y="480226"/>
-            <a:ext cx="480000" cy="480221"/>
+            <a:off x="360000" y="360000"/>
+            <a:ext cx="3960001" cy="1620749"/>
+            <a:chOff x="180000" y="360000"/>
+            <a:chExt cx="3960001" cy="1620749"/>
           </a:xfrm>
-          <a:prstGeom prst="ellipse">
-            <a:avLst/>
-          </a:prstGeom>
-        </p:spPr>
-        <p:style>
-          <a:lnRef idx="2">
-            <a:schemeClr val="accent3"/>
-          </a:lnRef>
-          <a:fillRef idx="1">
-            <a:schemeClr val="lt1"/>
-          </a:fillRef>
-          <a:effectRef idx="0">
-            <a:schemeClr val="accent3"/>
-          </a:effectRef>
-          <a:fontRef idx="minor">
-            <a:schemeClr val="dk1"/>
-          </a:fontRef>
-        </p:style>
-        <p:txBody>
-          <a:bodyPr wrap="none" lIns="59587" tIns="29793" rIns="59587" bIns="29793" rtlCol="0" anchor="ctr"/>
-          <a:lstStyle/>
-          <a:p>
-            <a:r>
-              <a:rPr lang="en-US" altLang="ja-JP" sz="2400" dirty="0">
+        </p:grpSpPr>
+        <p:sp>
+          <p:nvSpPr>
+            <p:cNvPr id="32" name="円/楕円 31"/>
+            <p:cNvSpPr>
+              <a:spLocks noChangeAspect="1"/>
+            </p:cNvSpPr>
+            <p:nvPr/>
+          </p:nvSpPr>
+          <p:spPr>
+            <a:xfrm>
+              <a:off x="900002" y="360000"/>
+              <a:ext cx="360001" cy="360166"/>
+            </a:xfrm>
+            <a:prstGeom prst="ellipse">
+              <a:avLst/>
+            </a:prstGeom>
+          </p:spPr>
+          <p:style>
+            <a:lnRef idx="2">
+              <a:schemeClr val="accent3"/>
+            </a:lnRef>
+            <a:fillRef idx="1">
+              <a:schemeClr val="lt1"/>
+            </a:fillRef>
+            <a:effectRef idx="0">
+              <a:schemeClr val="accent3"/>
+            </a:effectRef>
+            <a:fontRef idx="minor">
+              <a:schemeClr val="dk1"/>
+            </a:fontRef>
+          </p:style>
+          <p:txBody>
+            <a:bodyPr wrap="none" lIns="59587" tIns="29793" rIns="59587" bIns="29793" rtlCol="0" anchor="ctr"/>
+            <a:lstStyle/>
+            <a:p>
+              <a:pPr algn="ctr"/>
+              <a:r>
+                <a:rPr lang="en-US" altLang="ja-JP" sz="1600" dirty="0">
+                  <a:latin typeface="源ノ角ゴシック Code JP R It" pitchFamily="34" charset="-128"/>
+                  <a:ea typeface="源ノ角ゴシック Code JP R It" pitchFamily="34" charset="-128"/>
+                </a:rPr>
+                <a:t>s</a:t>
+              </a:r>
+              <a:endParaRPr lang="ja-JP" altLang="en-US" sz="1600" dirty="0">
                 <a:latin typeface="源ノ角ゴシック Code JP R It" pitchFamily="34" charset="-128"/>
                 <a:ea typeface="源ノ角ゴシック Code JP R It" pitchFamily="34" charset="-128"/>
-              </a:rPr>
-              <a:t>s</a:t>
-            </a:r>
-            <a:endParaRPr lang="ja-JP" altLang="en-US" sz="2400" dirty="0">
-              <a:latin typeface="源ノ角ゴシック Code JP R It" pitchFamily="34" charset="-128"/>
-              <a:ea typeface="源ノ角ゴシック Code JP R It" pitchFamily="34" charset="-128"/>
-            </a:endParaRPr>
-          </a:p>
-        </p:txBody>
-      </p:sp>
-      <p:sp>
-        <p:nvSpPr>
-          <p:cNvPr id="34" name="円/楕円 33"/>
-          <p:cNvSpPr>
-            <a:spLocks noChangeAspect="1"/>
-          </p:cNvSpPr>
-          <p:nvPr/>
-        </p:nvSpPr>
-        <p:spPr>
-          <a:xfrm>
-            <a:off x="720002" y="1320613"/>
-            <a:ext cx="480000" cy="480221"/>
-          </a:xfrm>
-          <a:prstGeom prst="ellipse">
-            <a:avLst/>
-          </a:prstGeom>
-        </p:spPr>
-        <p:style>
-          <a:lnRef idx="2">
-            <a:schemeClr val="accent3"/>
-          </a:lnRef>
-          <a:fillRef idx="1">
-            <a:schemeClr val="lt1"/>
-          </a:fillRef>
-          <a:effectRef idx="0">
-            <a:schemeClr val="accent3"/>
-          </a:effectRef>
-          <a:fontRef idx="minor">
-            <a:schemeClr val="dk1"/>
-          </a:fontRef>
-        </p:style>
-        <p:txBody>
-          <a:bodyPr wrap="none" lIns="59587" tIns="29793" rIns="59587" bIns="29793" rtlCol="0" anchor="ctr"/>
-          <a:lstStyle/>
-          <a:p>
-            <a:r>
-              <a:rPr lang="en-US" altLang="ja-JP" sz="2400" dirty="0">
+              </a:endParaRPr>
+            </a:p>
+          </p:txBody>
+        </p:sp>
+        <p:sp>
+          <p:nvSpPr>
+            <p:cNvPr id="42" name="円/楕円 41"/>
+            <p:cNvSpPr>
+              <a:spLocks noChangeAspect="1"/>
+            </p:cNvSpPr>
+            <p:nvPr/>
+          </p:nvSpPr>
+          <p:spPr>
+            <a:xfrm>
+              <a:off x="540000" y="990290"/>
+              <a:ext cx="360001" cy="360166"/>
+            </a:xfrm>
+            <a:prstGeom prst="ellipse">
+              <a:avLst/>
+            </a:prstGeom>
+          </p:spPr>
+          <p:style>
+            <a:lnRef idx="2">
+              <a:schemeClr val="accent3"/>
+            </a:lnRef>
+            <a:fillRef idx="1">
+              <a:schemeClr val="lt1"/>
+            </a:fillRef>
+            <a:effectRef idx="0">
+              <a:schemeClr val="accent3"/>
+            </a:effectRef>
+            <a:fontRef idx="minor">
+              <a:schemeClr val="dk1"/>
+            </a:fontRef>
+          </p:style>
+          <p:txBody>
+            <a:bodyPr wrap="none" lIns="59587" tIns="29793" rIns="59587" bIns="29793" rtlCol="0" anchor="ctr"/>
+            <a:lstStyle/>
+            <a:p>
+              <a:pPr algn="ctr"/>
+              <a:r>
+                <a:rPr lang="en-US" altLang="ja-JP" sz="1600" dirty="0">
+                  <a:latin typeface="源ノ角ゴシック Code JP R It" pitchFamily="34" charset="-128"/>
+                  <a:ea typeface="源ノ角ゴシック Code JP R It" pitchFamily="34" charset="-128"/>
+                </a:rPr>
+                <a:t>t</a:t>
+              </a:r>
+              <a:endParaRPr lang="ja-JP" altLang="en-US" sz="1600" dirty="0">
                 <a:latin typeface="源ノ角ゴシック Code JP R It" pitchFamily="34" charset="-128"/>
                 <a:ea typeface="源ノ角ゴシック Code JP R It" pitchFamily="34" charset="-128"/>
-              </a:rPr>
-              <a:t>t</a:t>
-            </a:r>
-            <a:endParaRPr lang="ja-JP" altLang="en-US" sz="2400" dirty="0">
-              <a:latin typeface="源ノ角ゴシック Code JP R It" pitchFamily="34" charset="-128"/>
-              <a:ea typeface="源ノ角ゴシック Code JP R It" pitchFamily="34" charset="-128"/>
-            </a:endParaRPr>
-          </a:p>
-        </p:txBody>
-      </p:sp>
-      <p:sp>
-        <p:nvSpPr>
-          <p:cNvPr id="35" name="円/楕円 34"/>
-          <p:cNvSpPr>
-            <a:spLocks noChangeAspect="1"/>
-          </p:cNvSpPr>
-          <p:nvPr/>
-        </p:nvSpPr>
-        <p:spPr>
-          <a:xfrm>
-            <a:off x="240004" y="2161003"/>
-            <a:ext cx="480000" cy="480221"/>
-          </a:xfrm>
-          <a:prstGeom prst="ellipse">
-            <a:avLst/>
-          </a:prstGeom>
-        </p:spPr>
-        <p:style>
-          <a:lnRef idx="2">
-            <a:schemeClr val="accent3"/>
-          </a:lnRef>
-          <a:fillRef idx="1">
-            <a:schemeClr val="lt1"/>
-          </a:fillRef>
-          <a:effectRef idx="0">
-            <a:schemeClr val="accent3"/>
-          </a:effectRef>
-          <a:fontRef idx="minor">
-            <a:schemeClr val="dk1"/>
-          </a:fontRef>
-        </p:style>
-        <p:txBody>
-          <a:bodyPr wrap="none" lIns="59587" tIns="29793" rIns="59587" bIns="29793" rtlCol="0" anchor="ctr"/>
-          <a:lstStyle/>
-          <a:p>
-            <a:r>
-              <a:rPr lang="en-US" altLang="ja-JP" sz="2400" dirty="0">
+              </a:endParaRPr>
+            </a:p>
+          </p:txBody>
+        </p:sp>
+        <p:sp>
+          <p:nvSpPr>
+            <p:cNvPr id="43" name="円/楕円 42"/>
+            <p:cNvSpPr>
+              <a:spLocks noChangeAspect="1"/>
+            </p:cNvSpPr>
+            <p:nvPr/>
+          </p:nvSpPr>
+          <p:spPr>
+            <a:xfrm>
+              <a:off x="180000" y="1620583"/>
+              <a:ext cx="360001" cy="360166"/>
+            </a:xfrm>
+            <a:prstGeom prst="ellipse">
+              <a:avLst/>
+            </a:prstGeom>
+          </p:spPr>
+          <p:style>
+            <a:lnRef idx="2">
+              <a:schemeClr val="accent3"/>
+            </a:lnRef>
+            <a:fillRef idx="1">
+              <a:schemeClr val="lt1"/>
+            </a:fillRef>
+            <a:effectRef idx="0">
+              <a:schemeClr val="accent3"/>
+            </a:effectRef>
+            <a:fontRef idx="minor">
+              <a:schemeClr val="dk1"/>
+            </a:fontRef>
+          </p:style>
+          <p:txBody>
+            <a:bodyPr wrap="none" lIns="59587" tIns="29793" rIns="59587" bIns="29793" rtlCol="0" anchor="ctr"/>
+            <a:lstStyle/>
+            <a:p>
+              <a:pPr algn="ctr"/>
+              <a:r>
+                <a:rPr lang="en-US" altLang="ja-JP" sz="1600" dirty="0">
+                  <a:latin typeface="源ノ角ゴシック Code JP R It" pitchFamily="34" charset="-128"/>
+                  <a:ea typeface="源ノ角ゴシック Code JP R It" pitchFamily="34" charset="-128"/>
+                </a:rPr>
+                <a:t>a</a:t>
+              </a:r>
+              <a:endParaRPr lang="ja-JP" altLang="en-US" sz="1600" dirty="0">
                 <a:latin typeface="源ノ角ゴシック Code JP R It" pitchFamily="34" charset="-128"/>
                 <a:ea typeface="源ノ角ゴシック Code JP R It" pitchFamily="34" charset="-128"/>
-              </a:rPr>
-              <a:t>a</a:t>
-            </a:r>
-            <a:endParaRPr lang="ja-JP" altLang="en-US" sz="2400" dirty="0">
-              <a:latin typeface="源ノ角ゴシック Code JP R It" pitchFamily="34" charset="-128"/>
-              <a:ea typeface="源ノ角ゴシック Code JP R It" pitchFamily="34" charset="-128"/>
-            </a:endParaRPr>
-          </a:p>
-        </p:txBody>
-      </p:sp>
-      <p:sp>
-        <p:nvSpPr>
-          <p:cNvPr id="36" name="円/楕円 35"/>
-          <p:cNvSpPr>
-            <a:spLocks noChangeAspect="1"/>
-          </p:cNvSpPr>
-          <p:nvPr/>
-        </p:nvSpPr>
-        <p:spPr>
-          <a:xfrm>
-            <a:off x="1680004" y="1320613"/>
-            <a:ext cx="480000" cy="480221"/>
-          </a:xfrm>
-          <a:prstGeom prst="ellipse">
-            <a:avLst/>
-          </a:prstGeom>
-        </p:spPr>
-        <p:style>
-          <a:lnRef idx="2">
-            <a:schemeClr val="accent3"/>
-          </a:lnRef>
-          <a:fillRef idx="1">
-            <a:schemeClr val="lt1"/>
-          </a:fillRef>
-          <a:effectRef idx="0">
-            <a:schemeClr val="accent3"/>
-          </a:effectRef>
-          <a:fontRef idx="minor">
-            <a:schemeClr val="dk1"/>
-          </a:fontRef>
-        </p:style>
-        <p:txBody>
-          <a:bodyPr wrap="none" lIns="59587" tIns="29793" rIns="59587" bIns="29793" rtlCol="0" anchor="ctr"/>
-          <a:lstStyle/>
-          <a:p>
-            <a:r>
-              <a:rPr lang="en-US" altLang="ja-JP" sz="2400" dirty="0">
+              </a:endParaRPr>
+            </a:p>
+          </p:txBody>
+        </p:sp>
+        <p:sp>
+          <p:nvSpPr>
+            <p:cNvPr id="44" name="円/楕円 43"/>
+            <p:cNvSpPr>
+              <a:spLocks noChangeAspect="1"/>
+            </p:cNvSpPr>
+            <p:nvPr/>
+          </p:nvSpPr>
+          <p:spPr>
+            <a:xfrm>
+              <a:off x="1260003" y="990290"/>
+              <a:ext cx="360001" cy="360166"/>
+            </a:xfrm>
+            <a:prstGeom prst="ellipse">
+              <a:avLst/>
+            </a:prstGeom>
+          </p:spPr>
+          <p:style>
+            <a:lnRef idx="2">
+              <a:schemeClr val="accent3"/>
+            </a:lnRef>
+            <a:fillRef idx="1">
+              <a:schemeClr val="lt1"/>
+            </a:fillRef>
+            <a:effectRef idx="0">
+              <a:schemeClr val="accent3"/>
+            </a:effectRef>
+            <a:fontRef idx="minor">
+              <a:schemeClr val="dk1"/>
+            </a:fontRef>
+          </p:style>
+          <p:txBody>
+            <a:bodyPr wrap="none" lIns="59587" tIns="29793" rIns="59587" bIns="29793" rtlCol="0" anchor="ctr"/>
+            <a:lstStyle/>
+            <a:p>
+              <a:pPr algn="ctr"/>
+              <a:r>
+                <a:rPr lang="en-US" altLang="ja-JP" sz="1600" dirty="0">
+                  <a:latin typeface="源ノ角ゴシック Code JP R It" pitchFamily="34" charset="-128"/>
+                  <a:ea typeface="源ノ角ゴシック Code JP R It" pitchFamily="34" charset="-128"/>
+                </a:rPr>
+                <a:t>c</a:t>
+              </a:r>
+              <a:endParaRPr lang="ja-JP" altLang="en-US" sz="1600" dirty="0">
                 <a:latin typeface="源ノ角ゴシック Code JP R It" pitchFamily="34" charset="-128"/>
                 <a:ea typeface="源ノ角ゴシック Code JP R It" pitchFamily="34" charset="-128"/>
-              </a:rPr>
-              <a:t>c</a:t>
-            </a:r>
-            <a:endParaRPr lang="ja-JP" altLang="en-US" sz="2400" dirty="0">
-              <a:latin typeface="源ノ角ゴシック Code JP R It" pitchFamily="34" charset="-128"/>
-              <a:ea typeface="源ノ角ゴシック Code JP R It" pitchFamily="34" charset="-128"/>
-            </a:endParaRPr>
-          </a:p>
-        </p:txBody>
-      </p:sp>
-      <p:sp>
-        <p:nvSpPr>
-          <p:cNvPr id="37" name="円/楕円 36"/>
-          <p:cNvSpPr>
-            <a:spLocks noChangeAspect="1"/>
-          </p:cNvSpPr>
-          <p:nvPr/>
-        </p:nvSpPr>
-        <p:spPr>
-          <a:xfrm>
-            <a:off x="1200004" y="2161003"/>
-            <a:ext cx="480000" cy="480221"/>
-          </a:xfrm>
-          <a:prstGeom prst="ellipse">
-            <a:avLst/>
-          </a:prstGeom>
-        </p:spPr>
-        <p:style>
-          <a:lnRef idx="2">
-            <a:schemeClr val="accent3"/>
-          </a:lnRef>
-          <a:fillRef idx="1">
-            <a:schemeClr val="lt1"/>
-          </a:fillRef>
-          <a:effectRef idx="0">
-            <a:schemeClr val="accent3"/>
-          </a:effectRef>
-          <a:fontRef idx="minor">
-            <a:schemeClr val="dk1"/>
-          </a:fontRef>
-        </p:style>
-        <p:txBody>
-          <a:bodyPr wrap="none" lIns="59587" tIns="29793" rIns="59587" bIns="29793" rtlCol="0" anchor="ctr"/>
-          <a:lstStyle/>
-          <a:p>
-            <a:r>
-              <a:rPr lang="en-US" altLang="ja-JP" sz="2400" dirty="0">
+              </a:endParaRPr>
+            </a:p>
+          </p:txBody>
+        </p:sp>
+        <p:sp>
+          <p:nvSpPr>
+            <p:cNvPr id="45" name="円/楕円 44"/>
+            <p:cNvSpPr>
+              <a:spLocks noChangeAspect="1"/>
+            </p:cNvSpPr>
+            <p:nvPr/>
+          </p:nvSpPr>
+          <p:spPr>
+            <a:xfrm>
+              <a:off x="900002" y="1620583"/>
+              <a:ext cx="360001" cy="360166"/>
+            </a:xfrm>
+            <a:prstGeom prst="ellipse">
+              <a:avLst/>
+            </a:prstGeom>
+          </p:spPr>
+          <p:style>
+            <a:lnRef idx="2">
+              <a:schemeClr val="accent3"/>
+            </a:lnRef>
+            <a:fillRef idx="1">
+              <a:schemeClr val="lt1"/>
+            </a:fillRef>
+            <a:effectRef idx="0">
+              <a:schemeClr val="accent3"/>
+            </a:effectRef>
+            <a:fontRef idx="minor">
+              <a:schemeClr val="dk1"/>
+            </a:fontRef>
+          </p:style>
+          <p:txBody>
+            <a:bodyPr wrap="none" lIns="59587" tIns="29793" rIns="59587" bIns="29793" rtlCol="0" anchor="ctr"/>
+            <a:lstStyle/>
+            <a:p>
+              <a:pPr algn="ctr"/>
+              <a:r>
+                <a:rPr lang="en-US" altLang="ja-JP" sz="1600" dirty="0">
+                  <a:latin typeface="源ノ角ゴシック Code JP R It" pitchFamily="34" charset="-128"/>
+                  <a:ea typeface="源ノ角ゴシック Code JP R It" pitchFamily="34" charset="-128"/>
+                </a:rPr>
+                <a:t>b</a:t>
+              </a:r>
+              <a:endParaRPr lang="ja-JP" altLang="en-US" sz="1600" dirty="0">
                 <a:latin typeface="源ノ角ゴシック Code JP R It" pitchFamily="34" charset="-128"/>
                 <a:ea typeface="源ノ角ゴシック Code JP R It" pitchFamily="34" charset="-128"/>
-              </a:rPr>
-              <a:t>b</a:t>
-            </a:r>
-            <a:endParaRPr lang="ja-JP" altLang="en-US" sz="2400" dirty="0">
-              <a:latin typeface="源ノ角ゴシック Code JP R It" pitchFamily="34" charset="-128"/>
-              <a:ea typeface="源ノ角ゴシック Code JP R It" pitchFamily="34" charset="-128"/>
-            </a:endParaRPr>
-          </a:p>
-        </p:txBody>
-      </p:sp>
-      <p:cxnSp>
-        <p:nvCxnSpPr>
-          <p:cNvPr id="38" name="直線コネクタ 37"/>
-          <p:cNvCxnSpPr>
-            <a:stCxn id="33" idx="3"/>
-            <a:endCxn id="34" idx="0"/>
-          </p:cNvCxnSpPr>
-          <p:nvPr/>
-        </p:nvCxnSpPr>
-        <p:spPr>
-          <a:xfrm flipH="1">
-            <a:off x="960000" y="890120"/>
-            <a:ext cx="310294" cy="430492"/>
-          </a:xfrm>
-          <a:prstGeom prst="line">
-            <a:avLst/>
-          </a:prstGeom>
-          <a:ln w="25400"/>
-        </p:spPr>
-        <p:style>
-          <a:lnRef idx="1">
-            <a:schemeClr val="accent3"/>
-          </a:lnRef>
-          <a:fillRef idx="0">
-            <a:schemeClr val="accent3"/>
-          </a:fillRef>
-          <a:effectRef idx="0">
-            <a:schemeClr val="accent3"/>
-          </a:effectRef>
-          <a:fontRef idx="minor">
-            <a:schemeClr val="tx1"/>
-          </a:fontRef>
-        </p:style>
-      </p:cxnSp>
-      <p:cxnSp>
-        <p:nvCxnSpPr>
-          <p:cNvPr id="39" name="直線コネクタ 38"/>
-          <p:cNvCxnSpPr>
-            <a:stCxn id="33" idx="5"/>
-            <a:endCxn id="36" idx="0"/>
-          </p:cNvCxnSpPr>
-          <p:nvPr/>
-        </p:nvCxnSpPr>
-        <p:spPr>
-          <a:xfrm>
-            <a:off x="1609706" y="890120"/>
-            <a:ext cx="310294" cy="430492"/>
-          </a:xfrm>
-          <a:prstGeom prst="line">
-            <a:avLst/>
-          </a:prstGeom>
-          <a:ln w="25400"/>
-        </p:spPr>
-        <p:style>
-          <a:lnRef idx="1">
-            <a:schemeClr val="accent3"/>
-          </a:lnRef>
-          <a:fillRef idx="0">
-            <a:schemeClr val="accent3"/>
-          </a:fillRef>
-          <a:effectRef idx="0">
-            <a:schemeClr val="accent3"/>
-          </a:effectRef>
-          <a:fontRef idx="minor">
-            <a:schemeClr val="tx1"/>
-          </a:fontRef>
-        </p:style>
-      </p:cxnSp>
-      <p:cxnSp>
-        <p:nvCxnSpPr>
-          <p:cNvPr id="40" name="直線コネクタ 39"/>
-          <p:cNvCxnSpPr>
-            <a:stCxn id="34" idx="3"/>
-            <a:endCxn id="35" idx="0"/>
-          </p:cNvCxnSpPr>
-          <p:nvPr/>
-        </p:nvCxnSpPr>
-        <p:spPr>
-          <a:xfrm flipH="1">
-            <a:off x="480000" y="1730509"/>
-            <a:ext cx="310294" cy="430492"/>
-          </a:xfrm>
-          <a:prstGeom prst="line">
-            <a:avLst/>
-          </a:prstGeom>
-          <a:ln w="25400"/>
-        </p:spPr>
-        <p:style>
-          <a:lnRef idx="1">
-            <a:schemeClr val="accent3"/>
-          </a:lnRef>
-          <a:fillRef idx="0">
-            <a:schemeClr val="accent3"/>
-          </a:fillRef>
-          <a:effectRef idx="0">
-            <a:schemeClr val="accent3"/>
-          </a:effectRef>
-          <a:fontRef idx="minor">
-            <a:schemeClr val="tx1"/>
-          </a:fontRef>
-        </p:style>
-      </p:cxnSp>
-      <p:cxnSp>
-        <p:nvCxnSpPr>
-          <p:cNvPr id="41" name="直線コネクタ 40"/>
-          <p:cNvCxnSpPr>
-            <a:stCxn id="34" idx="5"/>
-            <a:endCxn id="37" idx="0"/>
-          </p:cNvCxnSpPr>
-          <p:nvPr/>
-        </p:nvCxnSpPr>
-        <p:spPr>
-          <a:xfrm>
-            <a:off x="1129706" y="1730509"/>
-            <a:ext cx="310294" cy="430492"/>
-          </a:xfrm>
-          <a:prstGeom prst="line">
-            <a:avLst/>
-          </a:prstGeom>
-          <a:ln w="25400"/>
-        </p:spPr>
-        <p:style>
-          <a:lnRef idx="1">
-            <a:schemeClr val="accent3"/>
-          </a:lnRef>
-          <a:fillRef idx="0">
-            <a:schemeClr val="accent3"/>
-          </a:fillRef>
-          <a:effectRef idx="0">
-            <a:schemeClr val="accent3"/>
-          </a:effectRef>
-          <a:fontRef idx="minor">
-            <a:schemeClr val="tx1"/>
-          </a:fontRef>
-        </p:style>
-      </p:cxnSp>
-      <p:sp>
-        <p:nvSpPr>
-          <p:cNvPr id="88" name="右矢印 87"/>
-          <p:cNvSpPr/>
-          <p:nvPr/>
-        </p:nvSpPr>
-        <p:spPr>
-          <a:xfrm>
-            <a:off x="2711942" y="1320613"/>
-            <a:ext cx="480000" cy="480221"/>
-          </a:xfrm>
-          <a:prstGeom prst="rightArrow">
-            <a:avLst>
-              <a:gd name="adj1" fmla="val 50000"/>
-              <a:gd name="adj2" fmla="val 50000"/>
-            </a:avLst>
-          </a:prstGeom>
-        </p:spPr>
-        <p:style>
-          <a:lnRef idx="2">
-            <a:schemeClr val="accent3">
-              <a:shade val="50000"/>
-            </a:schemeClr>
-          </a:lnRef>
-          <a:fillRef idx="1">
-            <a:schemeClr val="accent3"/>
-          </a:fillRef>
-          <a:effectRef idx="0">
-            <a:schemeClr val="accent3"/>
-          </a:effectRef>
-          <a:fontRef idx="minor">
-            <a:schemeClr val="lt1"/>
-          </a:fontRef>
-        </p:style>
-        <p:txBody>
-          <a:bodyPr lIns="59587" tIns="29793" rIns="59587" bIns="29793" rtlCol="0" anchor="ctr"/>
-          <a:lstStyle/>
-          <a:p>
-            <a:endParaRPr kumimoji="1" lang="ja-JP" altLang="en-US"/>
-          </a:p>
-        </p:txBody>
-      </p:sp>
-      <p:sp>
-        <p:nvSpPr>
-          <p:cNvPr id="22" name="円/楕円 21"/>
-          <p:cNvSpPr>
-            <a:spLocks noChangeAspect="1"/>
-          </p:cNvSpPr>
-          <p:nvPr/>
-        </p:nvSpPr>
-        <p:spPr>
-          <a:xfrm>
-            <a:off x="4151354" y="480226"/>
-            <a:ext cx="480000" cy="480221"/>
-          </a:xfrm>
-          <a:prstGeom prst="ellipse">
-            <a:avLst/>
-          </a:prstGeom>
-        </p:spPr>
-        <p:style>
-          <a:lnRef idx="2">
-            <a:schemeClr val="accent3"/>
-          </a:lnRef>
-          <a:fillRef idx="1">
-            <a:schemeClr val="lt1"/>
-          </a:fillRef>
-          <a:effectRef idx="0">
-            <a:schemeClr val="accent3"/>
-          </a:effectRef>
-          <a:fontRef idx="minor">
-            <a:schemeClr val="dk1"/>
-          </a:fontRef>
-        </p:style>
-        <p:txBody>
-          <a:bodyPr wrap="none" lIns="59587" tIns="29793" rIns="59587" bIns="29793" rtlCol="0" anchor="ctr"/>
-          <a:lstStyle/>
-          <a:p>
-            <a:r>
-              <a:rPr lang="en-US" altLang="ja-JP" sz="2400" dirty="0">
+              </a:endParaRPr>
+            </a:p>
+          </p:txBody>
+        </p:sp>
+        <p:cxnSp>
+          <p:nvCxnSpPr>
+            <p:cNvPr id="46" name="直線コネクタ 45"/>
+            <p:cNvCxnSpPr>
+              <a:stCxn id="32" idx="3"/>
+              <a:endCxn id="42" idx="0"/>
+            </p:cNvCxnSpPr>
+            <p:nvPr/>
+          </p:nvCxnSpPr>
+          <p:spPr>
+            <a:xfrm flipH="1">
+              <a:off x="719999" y="667421"/>
+              <a:ext cx="232721" cy="322869"/>
+            </a:xfrm>
+            <a:prstGeom prst="line">
+              <a:avLst/>
+            </a:prstGeom>
+            <a:ln w="25400"/>
+          </p:spPr>
+          <p:style>
+            <a:lnRef idx="1">
+              <a:schemeClr val="accent3"/>
+            </a:lnRef>
+            <a:fillRef idx="0">
+              <a:schemeClr val="accent3"/>
+            </a:fillRef>
+            <a:effectRef idx="0">
+              <a:schemeClr val="accent3"/>
+            </a:effectRef>
+            <a:fontRef idx="minor">
+              <a:schemeClr val="tx1"/>
+            </a:fontRef>
+          </p:style>
+        </p:cxnSp>
+        <p:cxnSp>
+          <p:nvCxnSpPr>
+            <p:cNvPr id="47" name="直線コネクタ 46"/>
+            <p:cNvCxnSpPr>
+              <a:stCxn id="32" idx="5"/>
+              <a:endCxn id="44" idx="0"/>
+            </p:cNvCxnSpPr>
+            <p:nvPr/>
+          </p:nvCxnSpPr>
+          <p:spPr>
+            <a:xfrm>
+              <a:off x="1207279" y="667421"/>
+              <a:ext cx="232721" cy="322869"/>
+            </a:xfrm>
+            <a:prstGeom prst="line">
+              <a:avLst/>
+            </a:prstGeom>
+            <a:ln w="25400"/>
+          </p:spPr>
+          <p:style>
+            <a:lnRef idx="1">
+              <a:schemeClr val="accent3"/>
+            </a:lnRef>
+            <a:fillRef idx="0">
+              <a:schemeClr val="accent3"/>
+            </a:fillRef>
+            <a:effectRef idx="0">
+              <a:schemeClr val="accent3"/>
+            </a:effectRef>
+            <a:fontRef idx="minor">
+              <a:schemeClr val="tx1"/>
+            </a:fontRef>
+          </p:style>
+        </p:cxnSp>
+        <p:cxnSp>
+          <p:nvCxnSpPr>
+            <p:cNvPr id="48" name="直線コネクタ 47"/>
+            <p:cNvCxnSpPr>
+              <a:stCxn id="42" idx="3"/>
+              <a:endCxn id="43" idx="0"/>
+            </p:cNvCxnSpPr>
+            <p:nvPr/>
+          </p:nvCxnSpPr>
+          <p:spPr>
+            <a:xfrm flipH="1">
+              <a:off x="359998" y="1297713"/>
+              <a:ext cx="232721" cy="322869"/>
+            </a:xfrm>
+            <a:prstGeom prst="line">
+              <a:avLst/>
+            </a:prstGeom>
+            <a:ln w="25400"/>
+          </p:spPr>
+          <p:style>
+            <a:lnRef idx="1">
+              <a:schemeClr val="accent3"/>
+            </a:lnRef>
+            <a:fillRef idx="0">
+              <a:schemeClr val="accent3"/>
+            </a:fillRef>
+            <a:effectRef idx="0">
+              <a:schemeClr val="accent3"/>
+            </a:effectRef>
+            <a:fontRef idx="minor">
+              <a:schemeClr val="tx1"/>
+            </a:fontRef>
+          </p:style>
+        </p:cxnSp>
+        <p:cxnSp>
+          <p:nvCxnSpPr>
+            <p:cNvPr id="49" name="直線コネクタ 48"/>
+            <p:cNvCxnSpPr>
+              <a:stCxn id="42" idx="5"/>
+              <a:endCxn id="45" idx="0"/>
+            </p:cNvCxnSpPr>
+            <p:nvPr/>
+          </p:nvCxnSpPr>
+          <p:spPr>
+            <a:xfrm>
+              <a:off x="847278" y="1297713"/>
+              <a:ext cx="232721" cy="322869"/>
+            </a:xfrm>
+            <a:prstGeom prst="line">
+              <a:avLst/>
+            </a:prstGeom>
+            <a:ln w="25400"/>
+          </p:spPr>
+          <p:style>
+            <a:lnRef idx="1">
+              <a:schemeClr val="accent3"/>
+            </a:lnRef>
+            <a:fillRef idx="0">
+              <a:schemeClr val="accent3"/>
+            </a:fillRef>
+            <a:effectRef idx="0">
+              <a:schemeClr val="accent3"/>
+            </a:effectRef>
+            <a:fontRef idx="minor">
+              <a:schemeClr val="tx1"/>
+            </a:fontRef>
+          </p:style>
+        </p:cxnSp>
+        <p:sp>
+          <p:nvSpPr>
+            <p:cNvPr id="50" name="右矢印 49"/>
+            <p:cNvSpPr/>
+            <p:nvPr/>
+          </p:nvSpPr>
+          <p:spPr>
+            <a:xfrm>
+              <a:off x="1980000" y="990290"/>
+              <a:ext cx="360001" cy="360166"/>
+            </a:xfrm>
+            <a:prstGeom prst="rightArrow">
+              <a:avLst>
+                <a:gd name="adj1" fmla="val 50000"/>
+                <a:gd name="adj2" fmla="val 50000"/>
+              </a:avLst>
+            </a:prstGeom>
+          </p:spPr>
+          <p:style>
+            <a:lnRef idx="2">
+              <a:schemeClr val="accent3">
+                <a:shade val="50000"/>
+              </a:schemeClr>
+            </a:lnRef>
+            <a:fillRef idx="1">
+              <a:schemeClr val="accent3"/>
+            </a:fillRef>
+            <a:effectRef idx="0">
+              <a:schemeClr val="accent3"/>
+            </a:effectRef>
+            <a:fontRef idx="minor">
+              <a:schemeClr val="lt1"/>
+            </a:fontRef>
+          </p:style>
+          <p:txBody>
+            <a:bodyPr lIns="59587" tIns="29793" rIns="59587" bIns="29793" rtlCol="0" anchor="ctr"/>
+            <a:lstStyle/>
+            <a:p>
+              <a:pPr algn="ctr"/>
+              <a:endParaRPr kumimoji="1" lang="ja-JP" altLang="en-US" sz="1600">
                 <a:latin typeface="源ノ角ゴシック Code JP R It" pitchFamily="34" charset="-128"/>
                 <a:ea typeface="源ノ角ゴシック Code JP R It" pitchFamily="34" charset="-128"/>
-              </a:rPr>
-              <a:t>s'</a:t>
-            </a:r>
-            <a:endParaRPr lang="ja-JP" altLang="en-US" sz="2400" dirty="0">
-              <a:latin typeface="源ノ角ゴシック Code JP R It" pitchFamily="34" charset="-128"/>
-              <a:ea typeface="源ノ角ゴシック Code JP R It" pitchFamily="34" charset="-128"/>
-            </a:endParaRPr>
-          </a:p>
-        </p:txBody>
-      </p:sp>
-      <p:sp>
-        <p:nvSpPr>
-          <p:cNvPr id="23" name="円/楕円 22"/>
-          <p:cNvSpPr>
-            <a:spLocks noChangeAspect="1"/>
-          </p:cNvSpPr>
-          <p:nvPr/>
-        </p:nvSpPr>
-        <p:spPr>
-          <a:xfrm>
-            <a:off x="3671354" y="1320613"/>
-            <a:ext cx="480000" cy="480221"/>
-          </a:xfrm>
-          <a:prstGeom prst="ellipse">
-            <a:avLst/>
-          </a:prstGeom>
-        </p:spPr>
-        <p:style>
-          <a:lnRef idx="2">
-            <a:schemeClr val="accent3"/>
-          </a:lnRef>
-          <a:fillRef idx="1">
-            <a:schemeClr val="lt1"/>
-          </a:fillRef>
-          <a:effectRef idx="0">
-            <a:schemeClr val="accent3"/>
-          </a:effectRef>
-          <a:fontRef idx="minor">
-            <a:schemeClr val="dk1"/>
-          </a:fontRef>
-        </p:style>
-        <p:txBody>
-          <a:bodyPr wrap="none" lIns="59587" tIns="29793" rIns="59587" bIns="29793" rtlCol="0" anchor="ctr"/>
-          <a:lstStyle/>
-          <a:p>
-            <a:r>
-              <a:rPr lang="en-US" altLang="ja-JP" sz="2400" dirty="0">
+              </a:endParaRPr>
+            </a:p>
+          </p:txBody>
+        </p:sp>
+        <p:sp>
+          <p:nvSpPr>
+            <p:cNvPr id="51" name="円/楕円 50"/>
+            <p:cNvSpPr>
+              <a:spLocks noChangeAspect="1"/>
+            </p:cNvSpPr>
+            <p:nvPr/>
+          </p:nvSpPr>
+          <p:spPr>
+            <a:xfrm>
+              <a:off x="3060000" y="360000"/>
+              <a:ext cx="360001" cy="360166"/>
+            </a:xfrm>
+            <a:prstGeom prst="ellipse">
+              <a:avLst/>
+            </a:prstGeom>
+          </p:spPr>
+          <p:style>
+            <a:lnRef idx="2">
+              <a:schemeClr val="accent3"/>
+            </a:lnRef>
+            <a:fillRef idx="1">
+              <a:schemeClr val="lt1"/>
+            </a:fillRef>
+            <a:effectRef idx="0">
+              <a:schemeClr val="accent3"/>
+            </a:effectRef>
+            <a:fontRef idx="minor">
+              <a:schemeClr val="dk1"/>
+            </a:fontRef>
+          </p:style>
+          <p:txBody>
+            <a:bodyPr wrap="none" lIns="59587" tIns="29793" rIns="59587" bIns="29793" rtlCol="0" anchor="ctr"/>
+            <a:lstStyle/>
+            <a:p>
+              <a:pPr algn="ctr"/>
+              <a:r>
+                <a:rPr lang="en-US" altLang="ja-JP" sz="1600" dirty="0" smtClean="0">
+                  <a:latin typeface="源ノ角ゴシック Code JP R It" pitchFamily="34" charset="-128"/>
+                  <a:ea typeface="源ノ角ゴシック Code JP R It" pitchFamily="34" charset="-128"/>
+                </a:rPr>
+                <a:t> s</a:t>
+              </a:r>
+              <a:r>
+                <a:rPr lang="en-US" altLang="ja-JP" sz="1600" dirty="0">
+                  <a:latin typeface="源ノ角ゴシック Code JP R It" pitchFamily="34" charset="-128"/>
+                  <a:ea typeface="源ノ角ゴシック Code JP R It" pitchFamily="34" charset="-128"/>
+                </a:rPr>
+                <a:t>'</a:t>
+              </a:r>
+              <a:endParaRPr lang="ja-JP" altLang="en-US" sz="1600" dirty="0">
                 <a:latin typeface="源ノ角ゴシック Code JP R It" pitchFamily="34" charset="-128"/>
                 <a:ea typeface="源ノ角ゴシック Code JP R It" pitchFamily="34" charset="-128"/>
-              </a:rPr>
-              <a:t>a'</a:t>
-            </a:r>
-            <a:endParaRPr lang="ja-JP" altLang="en-US" sz="2400" dirty="0">
-              <a:latin typeface="源ノ角ゴシック Code JP R It" pitchFamily="34" charset="-128"/>
-              <a:ea typeface="源ノ角ゴシック Code JP R It" pitchFamily="34" charset="-128"/>
-            </a:endParaRPr>
-          </a:p>
-        </p:txBody>
-      </p:sp>
-      <p:sp>
-        <p:nvSpPr>
-          <p:cNvPr id="24" name="円/楕円 23"/>
-          <p:cNvSpPr>
-            <a:spLocks noChangeAspect="1"/>
-          </p:cNvSpPr>
-          <p:nvPr/>
-        </p:nvSpPr>
-        <p:spPr>
-          <a:xfrm>
-            <a:off x="4139446" y="2161003"/>
-            <a:ext cx="480000" cy="480221"/>
-          </a:xfrm>
-          <a:prstGeom prst="ellipse">
-            <a:avLst/>
-          </a:prstGeom>
-        </p:spPr>
-        <p:style>
-          <a:lnRef idx="2">
-            <a:schemeClr val="accent3"/>
-          </a:lnRef>
-          <a:fillRef idx="1">
-            <a:schemeClr val="lt1"/>
-          </a:fillRef>
-          <a:effectRef idx="0">
-            <a:schemeClr val="accent3"/>
-          </a:effectRef>
-          <a:fontRef idx="minor">
-            <a:schemeClr val="dk1"/>
-          </a:fontRef>
-        </p:style>
-        <p:txBody>
-          <a:bodyPr wrap="none" lIns="59587" tIns="29793" rIns="59587" bIns="29793" rtlCol="0" anchor="ctr"/>
-          <a:lstStyle/>
-          <a:p>
-            <a:r>
-              <a:rPr lang="en-US" altLang="ja-JP" sz="2400" dirty="0">
+              </a:endParaRPr>
+            </a:p>
+          </p:txBody>
+        </p:sp>
+        <p:sp>
+          <p:nvSpPr>
+            <p:cNvPr id="52" name="円/楕円 51"/>
+            <p:cNvSpPr>
+              <a:spLocks noChangeAspect="1"/>
+            </p:cNvSpPr>
+            <p:nvPr/>
+          </p:nvSpPr>
+          <p:spPr>
+            <a:xfrm>
+              <a:off x="2700000" y="990290"/>
+              <a:ext cx="360001" cy="360166"/>
+            </a:xfrm>
+            <a:prstGeom prst="ellipse">
+              <a:avLst/>
+            </a:prstGeom>
+          </p:spPr>
+          <p:style>
+            <a:lnRef idx="2">
+              <a:schemeClr val="accent3"/>
+            </a:lnRef>
+            <a:fillRef idx="1">
+              <a:schemeClr val="lt1"/>
+            </a:fillRef>
+            <a:effectRef idx="0">
+              <a:schemeClr val="accent3"/>
+            </a:effectRef>
+            <a:fontRef idx="minor">
+              <a:schemeClr val="dk1"/>
+            </a:fontRef>
+          </p:style>
+          <p:txBody>
+            <a:bodyPr wrap="none" lIns="59587" tIns="29793" rIns="59587" bIns="29793" rtlCol="0" anchor="ctr"/>
+            <a:lstStyle/>
+            <a:p>
+              <a:pPr algn="ctr"/>
+              <a:r>
+                <a:rPr lang="en-US" altLang="ja-JP" sz="1600" dirty="0" smtClean="0">
+                  <a:latin typeface="源ノ角ゴシック Code JP R It" pitchFamily="34" charset="-128"/>
+                  <a:ea typeface="源ノ角ゴシック Code JP R It" pitchFamily="34" charset="-128"/>
+                </a:rPr>
+                <a:t> a</a:t>
+              </a:r>
+              <a:r>
+                <a:rPr lang="en-US" altLang="ja-JP" sz="1600" dirty="0">
+                  <a:latin typeface="源ノ角ゴシック Code JP R It" pitchFamily="34" charset="-128"/>
+                  <a:ea typeface="源ノ角ゴシック Code JP R It" pitchFamily="34" charset="-128"/>
+                </a:rPr>
+                <a:t>'</a:t>
+              </a:r>
+              <a:endParaRPr lang="ja-JP" altLang="en-US" sz="1600" dirty="0">
                 <a:latin typeface="源ノ角ゴシック Code JP R It" pitchFamily="34" charset="-128"/>
                 <a:ea typeface="源ノ角ゴシック Code JP R It" pitchFamily="34" charset="-128"/>
-              </a:rPr>
-              <a:t>b</a:t>
-            </a:r>
-            <a:endParaRPr lang="ja-JP" altLang="en-US" sz="2400" dirty="0">
-              <a:latin typeface="源ノ角ゴシック Code JP R It" pitchFamily="34" charset="-128"/>
-              <a:ea typeface="源ノ角ゴシック Code JP R It" pitchFamily="34" charset="-128"/>
-            </a:endParaRPr>
-          </a:p>
-        </p:txBody>
-      </p:sp>
-      <p:sp>
-        <p:nvSpPr>
-          <p:cNvPr id="25" name="円/楕円 24"/>
-          <p:cNvSpPr>
-            <a:spLocks noChangeAspect="1"/>
-          </p:cNvSpPr>
-          <p:nvPr/>
-        </p:nvSpPr>
-        <p:spPr>
-          <a:xfrm>
-            <a:off x="4631354" y="1320613"/>
-            <a:ext cx="480000" cy="480221"/>
-          </a:xfrm>
-          <a:prstGeom prst="ellipse">
-            <a:avLst/>
-          </a:prstGeom>
-        </p:spPr>
-        <p:style>
-          <a:lnRef idx="2">
-            <a:schemeClr val="accent3"/>
-          </a:lnRef>
-          <a:fillRef idx="1">
-            <a:schemeClr val="lt1"/>
-          </a:fillRef>
-          <a:effectRef idx="0">
-            <a:schemeClr val="accent3"/>
-          </a:effectRef>
-          <a:fontRef idx="minor">
-            <a:schemeClr val="dk1"/>
-          </a:fontRef>
-        </p:style>
-        <p:txBody>
-          <a:bodyPr wrap="none" lIns="59587" tIns="29793" rIns="59587" bIns="29793" rtlCol="0" anchor="ctr"/>
-          <a:lstStyle/>
-          <a:p>
-            <a:r>
-              <a:rPr lang="en-US" altLang="ja-JP" sz="2400" dirty="0">
+              </a:endParaRPr>
+            </a:p>
+          </p:txBody>
+        </p:sp>
+        <p:sp>
+          <p:nvSpPr>
+            <p:cNvPr id="53" name="円/楕円 52"/>
+            <p:cNvSpPr>
+              <a:spLocks noChangeAspect="1"/>
+            </p:cNvSpPr>
+            <p:nvPr/>
+          </p:nvSpPr>
+          <p:spPr>
+            <a:xfrm>
+              <a:off x="3060000" y="1620583"/>
+              <a:ext cx="360001" cy="360166"/>
+            </a:xfrm>
+            <a:prstGeom prst="ellipse">
+              <a:avLst/>
+            </a:prstGeom>
+          </p:spPr>
+          <p:style>
+            <a:lnRef idx="2">
+              <a:schemeClr val="accent3"/>
+            </a:lnRef>
+            <a:fillRef idx="1">
+              <a:schemeClr val="lt1"/>
+            </a:fillRef>
+            <a:effectRef idx="0">
+              <a:schemeClr val="accent3"/>
+            </a:effectRef>
+            <a:fontRef idx="minor">
+              <a:schemeClr val="dk1"/>
+            </a:fontRef>
+          </p:style>
+          <p:txBody>
+            <a:bodyPr wrap="none" lIns="59587" tIns="29793" rIns="59587" bIns="29793" rtlCol="0" anchor="ctr"/>
+            <a:lstStyle/>
+            <a:p>
+              <a:pPr algn="ctr"/>
+              <a:r>
+                <a:rPr lang="en-US" altLang="ja-JP" sz="1600" dirty="0">
+                  <a:latin typeface="源ノ角ゴシック Code JP R It" pitchFamily="34" charset="-128"/>
+                  <a:ea typeface="源ノ角ゴシック Code JP R It" pitchFamily="34" charset="-128"/>
+                </a:rPr>
+                <a:t>b</a:t>
+              </a:r>
+              <a:endParaRPr lang="ja-JP" altLang="en-US" sz="1600" dirty="0">
                 <a:latin typeface="源ノ角ゴシック Code JP R It" pitchFamily="34" charset="-128"/>
                 <a:ea typeface="源ノ角ゴシック Code JP R It" pitchFamily="34" charset="-128"/>
-              </a:rPr>
-              <a:t>t'</a:t>
-            </a:r>
-            <a:endParaRPr lang="ja-JP" altLang="en-US" sz="2400" dirty="0">
-              <a:latin typeface="源ノ角ゴシック Code JP R It" pitchFamily="34" charset="-128"/>
-              <a:ea typeface="源ノ角ゴシック Code JP R It" pitchFamily="34" charset="-128"/>
-            </a:endParaRPr>
-          </a:p>
-        </p:txBody>
-      </p:sp>
-      <p:sp>
-        <p:nvSpPr>
-          <p:cNvPr id="26" name="円/楕円 25"/>
-          <p:cNvSpPr>
-            <a:spLocks noChangeAspect="1"/>
-          </p:cNvSpPr>
-          <p:nvPr/>
-        </p:nvSpPr>
-        <p:spPr>
-          <a:xfrm>
-            <a:off x="5099446" y="2161003"/>
-            <a:ext cx="480000" cy="480221"/>
-          </a:xfrm>
-          <a:prstGeom prst="ellipse">
-            <a:avLst/>
-          </a:prstGeom>
-        </p:spPr>
-        <p:style>
-          <a:lnRef idx="2">
-            <a:schemeClr val="accent3"/>
-          </a:lnRef>
-          <a:fillRef idx="1">
-            <a:schemeClr val="lt1"/>
-          </a:fillRef>
-          <a:effectRef idx="0">
-            <a:schemeClr val="accent3"/>
-          </a:effectRef>
-          <a:fontRef idx="minor">
-            <a:schemeClr val="dk1"/>
-          </a:fontRef>
-        </p:style>
-        <p:txBody>
-          <a:bodyPr wrap="none" lIns="59587" tIns="29793" rIns="59587" bIns="29793" rtlCol="0" anchor="ctr"/>
-          <a:lstStyle/>
-          <a:p>
-            <a:r>
-              <a:rPr lang="en-US" altLang="ja-JP" sz="2400" dirty="0">
+              </a:endParaRPr>
+            </a:p>
+          </p:txBody>
+        </p:sp>
+        <p:sp>
+          <p:nvSpPr>
+            <p:cNvPr id="54" name="円/楕円 53"/>
+            <p:cNvSpPr>
+              <a:spLocks noChangeAspect="1"/>
+            </p:cNvSpPr>
+            <p:nvPr/>
+          </p:nvSpPr>
+          <p:spPr>
+            <a:xfrm>
+              <a:off x="3420000" y="990290"/>
+              <a:ext cx="360001" cy="360166"/>
+            </a:xfrm>
+            <a:prstGeom prst="ellipse">
+              <a:avLst/>
+            </a:prstGeom>
+          </p:spPr>
+          <p:style>
+            <a:lnRef idx="2">
+              <a:schemeClr val="accent3"/>
+            </a:lnRef>
+            <a:fillRef idx="1">
+              <a:schemeClr val="lt1"/>
+            </a:fillRef>
+            <a:effectRef idx="0">
+              <a:schemeClr val="accent3"/>
+            </a:effectRef>
+            <a:fontRef idx="minor">
+              <a:schemeClr val="dk1"/>
+            </a:fontRef>
+          </p:style>
+          <p:txBody>
+            <a:bodyPr wrap="none" lIns="59587" tIns="29793" rIns="59587" bIns="29793" rtlCol="0" anchor="ctr"/>
+            <a:lstStyle/>
+            <a:p>
+              <a:pPr algn="ctr"/>
+              <a:r>
+                <a:rPr lang="en-US" altLang="ja-JP" sz="1600" dirty="0" smtClean="0">
+                  <a:latin typeface="源ノ角ゴシック Code JP R It" pitchFamily="34" charset="-128"/>
+                  <a:ea typeface="源ノ角ゴシック Code JP R It" pitchFamily="34" charset="-128"/>
+                </a:rPr>
+                <a:t> t</a:t>
+              </a:r>
+              <a:r>
+                <a:rPr lang="en-US" altLang="ja-JP" sz="1600" dirty="0">
+                  <a:latin typeface="源ノ角ゴシック Code JP R It" pitchFamily="34" charset="-128"/>
+                  <a:ea typeface="源ノ角ゴシック Code JP R It" pitchFamily="34" charset="-128"/>
+                </a:rPr>
+                <a:t>'</a:t>
+              </a:r>
+              <a:endParaRPr lang="ja-JP" altLang="en-US" sz="1600" dirty="0">
                 <a:latin typeface="源ノ角ゴシック Code JP R It" pitchFamily="34" charset="-128"/>
                 <a:ea typeface="源ノ角ゴシック Code JP R It" pitchFamily="34" charset="-128"/>
-              </a:rPr>
-              <a:t>c</a:t>
-            </a:r>
-            <a:endParaRPr lang="ja-JP" altLang="en-US" sz="2400" dirty="0">
-              <a:latin typeface="源ノ角ゴシック Code JP R It" pitchFamily="34" charset="-128"/>
-              <a:ea typeface="源ノ角ゴシック Code JP R It" pitchFamily="34" charset="-128"/>
-            </a:endParaRPr>
-          </a:p>
-        </p:txBody>
-      </p:sp>
-      <p:cxnSp>
-        <p:nvCxnSpPr>
-          <p:cNvPr id="27" name="直線コネクタ 26"/>
-          <p:cNvCxnSpPr>
-            <a:stCxn id="22" idx="3"/>
-            <a:endCxn id="23" idx="0"/>
-          </p:cNvCxnSpPr>
-          <p:nvPr/>
-        </p:nvCxnSpPr>
-        <p:spPr>
-          <a:xfrm flipH="1">
-            <a:off x="3911350" y="890120"/>
-            <a:ext cx="310294" cy="430492"/>
-          </a:xfrm>
-          <a:prstGeom prst="line">
-            <a:avLst/>
-          </a:prstGeom>
-          <a:ln w="25400"/>
-        </p:spPr>
-        <p:style>
-          <a:lnRef idx="1">
-            <a:schemeClr val="accent3"/>
-          </a:lnRef>
-          <a:fillRef idx="0">
-            <a:schemeClr val="accent3"/>
-          </a:fillRef>
-          <a:effectRef idx="0">
-            <a:schemeClr val="accent3"/>
-          </a:effectRef>
-          <a:fontRef idx="minor">
-            <a:schemeClr val="tx1"/>
-          </a:fontRef>
-        </p:style>
-      </p:cxnSp>
-      <p:cxnSp>
-        <p:nvCxnSpPr>
-          <p:cNvPr id="28" name="直線コネクタ 27"/>
-          <p:cNvCxnSpPr>
-            <a:stCxn id="22" idx="5"/>
-            <a:endCxn id="25" idx="0"/>
-          </p:cNvCxnSpPr>
-          <p:nvPr/>
-        </p:nvCxnSpPr>
-        <p:spPr>
-          <a:xfrm>
-            <a:off x="4561056" y="890120"/>
-            <a:ext cx="310294" cy="430492"/>
-          </a:xfrm>
-          <a:prstGeom prst="line">
-            <a:avLst/>
-          </a:prstGeom>
-          <a:ln w="25400"/>
-        </p:spPr>
-        <p:style>
-          <a:lnRef idx="1">
-            <a:schemeClr val="accent3"/>
-          </a:lnRef>
-          <a:fillRef idx="0">
-            <a:schemeClr val="accent3"/>
-          </a:fillRef>
-          <a:effectRef idx="0">
-            <a:schemeClr val="accent3"/>
-          </a:effectRef>
-          <a:fontRef idx="minor">
-            <a:schemeClr val="tx1"/>
-          </a:fontRef>
-        </p:style>
-      </p:cxnSp>
-      <p:cxnSp>
-        <p:nvCxnSpPr>
-          <p:cNvPr id="29" name="直線コネクタ 28"/>
-          <p:cNvCxnSpPr>
-            <a:endCxn id="24" idx="0"/>
-          </p:cNvCxnSpPr>
-          <p:nvPr/>
-        </p:nvCxnSpPr>
-        <p:spPr>
-          <a:xfrm flipH="1">
-            <a:off x="4379442" y="1730509"/>
-            <a:ext cx="310294" cy="430492"/>
-          </a:xfrm>
-          <a:prstGeom prst="line">
-            <a:avLst/>
-          </a:prstGeom>
-          <a:ln w="25400"/>
-        </p:spPr>
-        <p:style>
-          <a:lnRef idx="1">
-            <a:schemeClr val="accent3"/>
-          </a:lnRef>
-          <a:fillRef idx="0">
-            <a:schemeClr val="accent3"/>
-          </a:fillRef>
-          <a:effectRef idx="0">
-            <a:schemeClr val="accent3"/>
-          </a:effectRef>
-          <a:fontRef idx="minor">
-            <a:schemeClr val="tx1"/>
-          </a:fontRef>
-        </p:style>
-      </p:cxnSp>
-      <p:cxnSp>
-        <p:nvCxnSpPr>
-          <p:cNvPr id="30" name="直線コネクタ 29"/>
-          <p:cNvCxnSpPr>
-            <a:endCxn id="26" idx="0"/>
-          </p:cNvCxnSpPr>
-          <p:nvPr/>
-        </p:nvCxnSpPr>
-        <p:spPr>
-          <a:xfrm>
-            <a:off x="5029148" y="1730509"/>
-            <a:ext cx="310294" cy="430492"/>
-          </a:xfrm>
-          <a:prstGeom prst="line">
-            <a:avLst/>
-          </a:prstGeom>
-          <a:ln w="25400"/>
-        </p:spPr>
-        <p:style>
-          <a:lnRef idx="1">
-            <a:schemeClr val="accent3"/>
-          </a:lnRef>
-          <a:fillRef idx="0">
-            <a:schemeClr val="accent3"/>
-          </a:fillRef>
-          <a:effectRef idx="0">
-            <a:schemeClr val="accent3"/>
-          </a:effectRef>
-          <a:fontRef idx="minor">
-            <a:schemeClr val="tx1"/>
-          </a:fontRef>
-        </p:style>
-      </p:cxnSp>
+              </a:endParaRPr>
+            </a:p>
+          </p:txBody>
+        </p:sp>
+        <p:sp>
+          <p:nvSpPr>
+            <p:cNvPr id="55" name="円/楕円 54"/>
+            <p:cNvSpPr>
+              <a:spLocks noChangeAspect="1"/>
+            </p:cNvSpPr>
+            <p:nvPr/>
+          </p:nvSpPr>
+          <p:spPr>
+            <a:xfrm>
+              <a:off x="3780000" y="1620583"/>
+              <a:ext cx="360001" cy="360166"/>
+            </a:xfrm>
+            <a:prstGeom prst="ellipse">
+              <a:avLst/>
+            </a:prstGeom>
+          </p:spPr>
+          <p:style>
+            <a:lnRef idx="2">
+              <a:schemeClr val="accent3"/>
+            </a:lnRef>
+            <a:fillRef idx="1">
+              <a:schemeClr val="lt1"/>
+            </a:fillRef>
+            <a:effectRef idx="0">
+              <a:schemeClr val="accent3"/>
+            </a:effectRef>
+            <a:fontRef idx="minor">
+              <a:schemeClr val="dk1"/>
+            </a:fontRef>
+          </p:style>
+          <p:txBody>
+            <a:bodyPr wrap="none" lIns="59587" tIns="29793" rIns="59587" bIns="29793" rtlCol="0" anchor="ctr"/>
+            <a:lstStyle/>
+            <a:p>
+              <a:pPr algn="ctr"/>
+              <a:r>
+                <a:rPr lang="en-US" altLang="ja-JP" sz="1600" dirty="0">
+                  <a:latin typeface="源ノ角ゴシック Code JP R It" pitchFamily="34" charset="-128"/>
+                  <a:ea typeface="源ノ角ゴシック Code JP R It" pitchFamily="34" charset="-128"/>
+                </a:rPr>
+                <a:t>c</a:t>
+              </a:r>
+              <a:endParaRPr lang="ja-JP" altLang="en-US" sz="1600" dirty="0">
+                <a:latin typeface="源ノ角ゴシック Code JP R It" pitchFamily="34" charset="-128"/>
+                <a:ea typeface="源ノ角ゴシック Code JP R It" pitchFamily="34" charset="-128"/>
+              </a:endParaRPr>
+            </a:p>
+          </p:txBody>
+        </p:sp>
+        <p:cxnSp>
+          <p:nvCxnSpPr>
+            <p:cNvPr id="56" name="直線コネクタ 55"/>
+            <p:cNvCxnSpPr>
+              <a:stCxn id="51" idx="3"/>
+              <a:endCxn id="52" idx="0"/>
+            </p:cNvCxnSpPr>
+            <p:nvPr/>
+          </p:nvCxnSpPr>
+          <p:spPr>
+            <a:xfrm flipH="1">
+              <a:off x="2880001" y="667421"/>
+              <a:ext cx="232720" cy="322869"/>
+            </a:xfrm>
+            <a:prstGeom prst="line">
+              <a:avLst/>
+            </a:prstGeom>
+            <a:ln w="25400"/>
+          </p:spPr>
+          <p:style>
+            <a:lnRef idx="1">
+              <a:schemeClr val="accent3"/>
+            </a:lnRef>
+            <a:fillRef idx="0">
+              <a:schemeClr val="accent3"/>
+            </a:fillRef>
+            <a:effectRef idx="0">
+              <a:schemeClr val="accent3"/>
+            </a:effectRef>
+            <a:fontRef idx="minor">
+              <a:schemeClr val="tx1"/>
+            </a:fontRef>
+          </p:style>
+        </p:cxnSp>
+        <p:cxnSp>
+          <p:nvCxnSpPr>
+            <p:cNvPr id="57" name="直線コネクタ 56"/>
+            <p:cNvCxnSpPr>
+              <a:stCxn id="51" idx="5"/>
+              <a:endCxn id="54" idx="0"/>
+            </p:cNvCxnSpPr>
+            <p:nvPr/>
+          </p:nvCxnSpPr>
+          <p:spPr>
+            <a:xfrm>
+              <a:off x="3367280" y="667421"/>
+              <a:ext cx="232721" cy="322869"/>
+            </a:xfrm>
+            <a:prstGeom prst="line">
+              <a:avLst/>
+            </a:prstGeom>
+            <a:ln w="25400"/>
+          </p:spPr>
+          <p:style>
+            <a:lnRef idx="1">
+              <a:schemeClr val="accent3"/>
+            </a:lnRef>
+            <a:fillRef idx="0">
+              <a:schemeClr val="accent3"/>
+            </a:fillRef>
+            <a:effectRef idx="0">
+              <a:schemeClr val="accent3"/>
+            </a:effectRef>
+            <a:fontRef idx="minor">
+              <a:schemeClr val="tx1"/>
+            </a:fontRef>
+          </p:style>
+        </p:cxnSp>
+        <p:cxnSp>
+          <p:nvCxnSpPr>
+            <p:cNvPr id="58" name="直線コネクタ 57"/>
+            <p:cNvCxnSpPr>
+              <a:stCxn id="54" idx="3"/>
+              <a:endCxn id="53" idx="0"/>
+            </p:cNvCxnSpPr>
+            <p:nvPr/>
+          </p:nvCxnSpPr>
+          <p:spPr>
+            <a:xfrm flipH="1">
+              <a:off x="3240001" y="1297711"/>
+              <a:ext cx="232720" cy="322872"/>
+            </a:xfrm>
+            <a:prstGeom prst="line">
+              <a:avLst/>
+            </a:prstGeom>
+            <a:ln w="25400"/>
+          </p:spPr>
+          <p:style>
+            <a:lnRef idx="1">
+              <a:schemeClr val="accent3"/>
+            </a:lnRef>
+            <a:fillRef idx="0">
+              <a:schemeClr val="accent3"/>
+            </a:fillRef>
+            <a:effectRef idx="0">
+              <a:schemeClr val="accent3"/>
+            </a:effectRef>
+            <a:fontRef idx="minor">
+              <a:schemeClr val="tx1"/>
+            </a:fontRef>
+          </p:style>
+        </p:cxnSp>
+        <p:cxnSp>
+          <p:nvCxnSpPr>
+            <p:cNvPr id="59" name="直線コネクタ 58"/>
+            <p:cNvCxnSpPr>
+              <a:stCxn id="54" idx="5"/>
+              <a:endCxn id="55" idx="0"/>
+            </p:cNvCxnSpPr>
+            <p:nvPr/>
+          </p:nvCxnSpPr>
+          <p:spPr>
+            <a:xfrm>
+              <a:off x="3727280" y="1297711"/>
+              <a:ext cx="232721" cy="322872"/>
+            </a:xfrm>
+            <a:prstGeom prst="line">
+              <a:avLst/>
+            </a:prstGeom>
+            <a:ln w="25400"/>
+          </p:spPr>
+          <p:style>
+            <a:lnRef idx="1">
+              <a:schemeClr val="accent3"/>
+            </a:lnRef>
+            <a:fillRef idx="0">
+              <a:schemeClr val="accent3"/>
+            </a:fillRef>
+            <a:effectRef idx="0">
+              <a:schemeClr val="accent3"/>
+            </a:effectRef>
+            <a:fontRef idx="minor">
+              <a:schemeClr val="tx1"/>
+            </a:fontRef>
+          </p:style>
+        </p:cxnSp>
+      </p:grpSp>
     </p:spTree>
     <p:extLst>
       <p:ext uri="{BB962C8B-B14F-4D97-AF65-F5344CB8AC3E}">
